--- a/ml-for-robotics/SP21/lectures/html/L13/design.pptx
+++ b/ml-for-robotics/SP21/lectures/html/L13/design.pptx
@@ -1,14 +1,14 @@
 
 <file path=ppt/presentation.xml><?xml version="1.0" encoding="utf-8"?>
-<p:presentation xmlns:a="http://schemas.openxmlformats.org/drawingml/2006/main" xmlns:r="http://schemas.openxmlformats.org/officeDocument/2006/relationships" xmlns:p="http://schemas.openxmlformats.org/presentationml/2006/main" saveSubsetFonts="1" autoCompressPictures="0">
+<p:presentation xmlns:a="http://schemas.openxmlformats.org/drawingml/2006/main" xmlns:r="http://schemas.openxmlformats.org/officeDocument/2006/relationships" xmlns:p="http://schemas.openxmlformats.org/presentationml/2006/main" autoCompressPictures="0">
   <p:sldMasterIdLst>
     <p:sldMasterId id="2147483648" r:id="rId1"/>
   </p:sldMasterIdLst>
   <p:notesMasterIdLst>
-    <p:notesMasterId r:id="rId3"/>
+    <p:notesMasterId r:id="rId4"/>
   </p:notesMasterIdLst>
   <p:sldIdLst>
-    <p:sldId id="256" r:id="rId2"/>
+    <p:sldId id="256" r:id="rId3"/>
   </p:sldIdLst>
   <p:sldSz cx="12192000" cy="6858000"/>
   <p:notesSz cx="6858000" cy="9144000"/>
@@ -192,7 +192,6 @@
           <a:p>
             <a:fld id="{F41D692F-F752-8740-AE28-0528955AC28C}" type="datetimeFigureOut">
               <a:rPr lang="en-US" smtClean="0"/>
-              <a:t>5/10/21</a:t>
             </a:fld>
             <a:endParaRPr lang="en-US"/>
           </a:p>
@@ -259,6 +258,7 @@
               <a:rPr lang="en-US"/>
               <a:t>Click to edit Master text styles</a:t>
             </a:r>
+            <a:endParaRPr lang="en-US"/>
           </a:p>
           <a:p>
             <a:pPr lvl="1"/>
@@ -266,6 +266,7 @@
               <a:rPr lang="en-US"/>
               <a:t>Second level</a:t>
             </a:r>
+            <a:endParaRPr lang="en-US"/>
           </a:p>
           <a:p>
             <a:pPr lvl="2"/>
@@ -273,6 +274,7 @@
               <a:rPr lang="en-US"/>
               <a:t>Third level</a:t>
             </a:r>
+            <a:endParaRPr lang="en-US"/>
           </a:p>
           <a:p>
             <a:pPr lvl="3"/>
@@ -280,6 +282,7 @@
               <a:rPr lang="en-US"/>
               <a:t>Fourth level</a:t>
             </a:r>
+            <a:endParaRPr lang="en-US"/>
           </a:p>
           <a:p>
             <a:pPr lvl="4"/>
@@ -287,6 +290,7 @@
               <a:rPr lang="en-US"/>
               <a:t>Fifth level</a:t>
             </a:r>
+            <a:endParaRPr lang="en-US"/>
           </a:p>
         </p:txBody>
       </p:sp>
@@ -350,18 +354,12 @@
           <a:p>
             <a:fld id="{61EB8356-E4D5-2D4F-8B85-831A320C209D}" type="slidenum">
               <a:rPr lang="en-US" smtClean="0"/>
-              <a:t>‹#›</a:t>
             </a:fld>
             <a:endParaRPr lang="en-US"/>
           </a:p>
         </p:txBody>
       </p:sp>
     </p:spTree>
-    <p:extLst>
-      <p:ext uri="{BB962C8B-B14F-4D97-AF65-F5344CB8AC3E}">
-        <p14:creationId xmlns:p14="http://schemas.microsoft.com/office/powerpoint/2010/main" val="333115005"/>
-      </p:ext>
-    </p:extLst>
   </p:cSld>
   <p:clrMap bg1="lt1" tx1="dk1" bg2="lt2" tx2="dk2" accent1="accent1" accent2="accent2" accent3="accent3" accent4="accent4" accent5="accent5" accent6="accent6" hlink="hlink" folHlink="folHlink"/>
   <p:notesStyle>
@@ -524,18 +522,12 @@
           <a:p>
             <a:fld id="{61EB8356-E4D5-2D4F-8B85-831A320C209D}" type="slidenum">
               <a:rPr lang="en-US" smtClean="0"/>
-              <a:t>1</a:t>
             </a:fld>
             <a:endParaRPr lang="en-US"/>
           </a:p>
         </p:txBody>
       </p:sp>
     </p:spTree>
-    <p:extLst>
-      <p:ext uri="{BB962C8B-B14F-4D97-AF65-F5344CB8AC3E}">
-        <p14:creationId xmlns:p14="http://schemas.microsoft.com/office/powerpoint/2010/main" val="3188410130"/>
-      </p:ext>
-    </p:extLst>
   </p:cSld>
   <p:clrMapOvr>
     <a:masterClrMapping/>
@@ -562,13 +554,7 @@
       </p:grpSpPr>
       <p:sp>
         <p:nvSpPr>
-          <p:cNvPr id="2" name="Title 1">
-            <a:extLst>
-              <a:ext uri="{FF2B5EF4-FFF2-40B4-BE49-F238E27FC236}">
-                <a16:creationId xmlns:a16="http://schemas.microsoft.com/office/drawing/2014/main" id="{B3D82FCB-199D-5E4A-A6E9-95D6C57C4ED5}"/>
-              </a:ext>
-            </a:extLst>
-          </p:cNvPr>
+          <p:cNvPr id="2" name="Title 1"/>
           <p:cNvSpPr>
             <a:spLocks noGrp="1"/>
           </p:cNvSpPr>
@@ -594,18 +580,13 @@
               <a:rPr lang="en-US"/>
               <a:t>Click to edit Master title style</a:t>
             </a:r>
-          </a:p>
-        </p:txBody>
-      </p:sp>
-      <p:sp>
-        <p:nvSpPr>
-          <p:cNvPr id="3" name="Subtitle 2">
-            <a:extLst>
-              <a:ext uri="{FF2B5EF4-FFF2-40B4-BE49-F238E27FC236}">
-                <a16:creationId xmlns:a16="http://schemas.microsoft.com/office/drawing/2014/main" id="{F7CB3A28-063C-7B4C-9BFE-71CE6CE7A73A}"/>
-              </a:ext>
-            </a:extLst>
-          </p:cNvPr>
+            <a:endParaRPr lang="en-US"/>
+          </a:p>
+        </p:txBody>
+      </p:sp>
+      <p:sp>
+        <p:nvSpPr>
+          <p:cNvPr id="3" name="Subtitle 2"/>
           <p:cNvSpPr>
             <a:spLocks noGrp="1"/>
           </p:cNvSpPr>
@@ -664,18 +645,13 @@
               <a:rPr lang="en-US"/>
               <a:t>Click to edit Master subtitle style</a:t>
             </a:r>
-          </a:p>
-        </p:txBody>
-      </p:sp>
-      <p:sp>
-        <p:nvSpPr>
-          <p:cNvPr id="4" name="Date Placeholder 3">
-            <a:extLst>
-              <a:ext uri="{FF2B5EF4-FFF2-40B4-BE49-F238E27FC236}">
-                <a16:creationId xmlns:a16="http://schemas.microsoft.com/office/drawing/2014/main" id="{4BF56BB4-9979-3347-8395-CF5E9E5DBAF5}"/>
-              </a:ext>
-            </a:extLst>
-          </p:cNvPr>
+            <a:endParaRPr lang="en-US"/>
+          </a:p>
+        </p:txBody>
+      </p:sp>
+      <p:sp>
+        <p:nvSpPr>
+          <p:cNvPr id="4" name="Date Placeholder 3"/>
           <p:cNvSpPr>
             <a:spLocks noGrp="1"/>
           </p:cNvSpPr>
@@ -690,7 +666,6 @@
           <a:p>
             <a:fld id="{FABEAB63-0147-A740-B4E8-C1F89E010660}" type="datetimeFigureOut">
               <a:rPr lang="en-US" smtClean="0"/>
-              <a:t>5/10/21</a:t>
             </a:fld>
             <a:endParaRPr lang="en-US"/>
           </a:p>
@@ -698,13 +673,7 @@
       </p:sp>
       <p:sp>
         <p:nvSpPr>
-          <p:cNvPr id="5" name="Footer Placeholder 4">
-            <a:extLst>
-              <a:ext uri="{FF2B5EF4-FFF2-40B4-BE49-F238E27FC236}">
-                <a16:creationId xmlns:a16="http://schemas.microsoft.com/office/drawing/2014/main" id="{89E609F6-10CB-AA46-9DE4-8CCE835B8D0C}"/>
-              </a:ext>
-            </a:extLst>
-          </p:cNvPr>
+          <p:cNvPr id="5" name="Footer Placeholder 4"/>
           <p:cNvSpPr>
             <a:spLocks noGrp="1"/>
           </p:cNvSpPr>
@@ -723,13 +692,7 @@
       </p:sp>
       <p:sp>
         <p:nvSpPr>
-          <p:cNvPr id="6" name="Slide Number Placeholder 5">
-            <a:extLst>
-              <a:ext uri="{FF2B5EF4-FFF2-40B4-BE49-F238E27FC236}">
-                <a16:creationId xmlns:a16="http://schemas.microsoft.com/office/drawing/2014/main" id="{E75FD4F4-B937-D44D-A90E-1DE8FAE4AED2}"/>
-              </a:ext>
-            </a:extLst>
-          </p:cNvPr>
+          <p:cNvPr id="6" name="Slide Number Placeholder 5"/>
           <p:cNvSpPr>
             <a:spLocks noGrp="1"/>
           </p:cNvSpPr>
@@ -744,18 +707,12 @@
           <a:p>
             <a:fld id="{3FB47A9C-BF25-8A42-BC9F-4426EEF70547}" type="slidenum">
               <a:rPr lang="en-US" smtClean="0"/>
-              <a:t>‹#›</a:t>
             </a:fld>
             <a:endParaRPr lang="en-US"/>
           </a:p>
         </p:txBody>
       </p:sp>
     </p:spTree>
-    <p:extLst>
-      <p:ext uri="{BB962C8B-B14F-4D97-AF65-F5344CB8AC3E}">
-        <p14:creationId xmlns:p14="http://schemas.microsoft.com/office/powerpoint/2010/main" val="118748551"/>
-      </p:ext>
-    </p:extLst>
   </p:cSld>
   <p:clrMapOvr>
     <a:masterClrMapping/>
@@ -782,13 +739,7 @@
       </p:grpSpPr>
       <p:sp>
         <p:nvSpPr>
-          <p:cNvPr id="2" name="Title 1">
-            <a:extLst>
-              <a:ext uri="{FF2B5EF4-FFF2-40B4-BE49-F238E27FC236}">
-                <a16:creationId xmlns:a16="http://schemas.microsoft.com/office/drawing/2014/main" id="{318647B3-B720-644E-A039-2C74E9103B97}"/>
-              </a:ext>
-            </a:extLst>
-          </p:cNvPr>
+          <p:cNvPr id="2" name="Title 1"/>
           <p:cNvSpPr>
             <a:spLocks noGrp="1"/>
           </p:cNvSpPr>
@@ -805,18 +756,13 @@
               <a:rPr lang="en-US"/>
               <a:t>Click to edit Master title style</a:t>
             </a:r>
-          </a:p>
-        </p:txBody>
-      </p:sp>
-      <p:sp>
-        <p:nvSpPr>
-          <p:cNvPr id="3" name="Vertical Text Placeholder 2">
-            <a:extLst>
-              <a:ext uri="{FF2B5EF4-FFF2-40B4-BE49-F238E27FC236}">
-                <a16:creationId xmlns:a16="http://schemas.microsoft.com/office/drawing/2014/main" id="{9E8B948A-1B83-8741-BEB1-E4DEED9B5F84}"/>
-              </a:ext>
-            </a:extLst>
-          </p:cNvPr>
+            <a:endParaRPr lang="en-US"/>
+          </a:p>
+        </p:txBody>
+      </p:sp>
+      <p:sp>
+        <p:nvSpPr>
+          <p:cNvPr id="3" name="Vertical Text Placeholder 2"/>
           <p:cNvSpPr>
             <a:spLocks noGrp="1"/>
           </p:cNvSpPr>
@@ -834,6 +780,7 @@
               <a:rPr lang="en-US"/>
               <a:t>Click to edit Master text styles</a:t>
             </a:r>
+            <a:endParaRPr lang="en-US"/>
           </a:p>
           <a:p>
             <a:pPr lvl="1"/>
@@ -841,6 +788,7 @@
               <a:rPr lang="en-US"/>
               <a:t>Second level</a:t>
             </a:r>
+            <a:endParaRPr lang="en-US"/>
           </a:p>
           <a:p>
             <a:pPr lvl="2"/>
@@ -848,6 +796,7 @@
               <a:rPr lang="en-US"/>
               <a:t>Third level</a:t>
             </a:r>
+            <a:endParaRPr lang="en-US"/>
           </a:p>
           <a:p>
             <a:pPr lvl="3"/>
@@ -855,6 +804,7 @@
               <a:rPr lang="en-US"/>
               <a:t>Fourth level</a:t>
             </a:r>
+            <a:endParaRPr lang="en-US"/>
           </a:p>
           <a:p>
             <a:pPr lvl="4"/>
@@ -862,18 +812,13 @@
               <a:rPr lang="en-US"/>
               <a:t>Fifth level</a:t>
             </a:r>
-          </a:p>
-        </p:txBody>
-      </p:sp>
-      <p:sp>
-        <p:nvSpPr>
-          <p:cNvPr id="4" name="Date Placeholder 3">
-            <a:extLst>
-              <a:ext uri="{FF2B5EF4-FFF2-40B4-BE49-F238E27FC236}">
-                <a16:creationId xmlns:a16="http://schemas.microsoft.com/office/drawing/2014/main" id="{7FE260B7-0587-9C43-A82A-5A18C9F745A3}"/>
-              </a:ext>
-            </a:extLst>
-          </p:cNvPr>
+            <a:endParaRPr lang="en-US"/>
+          </a:p>
+        </p:txBody>
+      </p:sp>
+      <p:sp>
+        <p:nvSpPr>
+          <p:cNvPr id="4" name="Date Placeholder 3"/>
           <p:cNvSpPr>
             <a:spLocks noGrp="1"/>
           </p:cNvSpPr>
@@ -888,7 +833,6 @@
           <a:p>
             <a:fld id="{FABEAB63-0147-A740-B4E8-C1F89E010660}" type="datetimeFigureOut">
               <a:rPr lang="en-US" smtClean="0"/>
-              <a:t>5/10/21</a:t>
             </a:fld>
             <a:endParaRPr lang="en-US"/>
           </a:p>
@@ -896,13 +840,7 @@
       </p:sp>
       <p:sp>
         <p:nvSpPr>
-          <p:cNvPr id="5" name="Footer Placeholder 4">
-            <a:extLst>
-              <a:ext uri="{FF2B5EF4-FFF2-40B4-BE49-F238E27FC236}">
-                <a16:creationId xmlns:a16="http://schemas.microsoft.com/office/drawing/2014/main" id="{80CE572B-0F5E-D24B-B936-39E2004B609C}"/>
-              </a:ext>
-            </a:extLst>
-          </p:cNvPr>
+          <p:cNvPr id="5" name="Footer Placeholder 4"/>
           <p:cNvSpPr>
             <a:spLocks noGrp="1"/>
           </p:cNvSpPr>
@@ -921,13 +859,7 @@
       </p:sp>
       <p:sp>
         <p:nvSpPr>
-          <p:cNvPr id="6" name="Slide Number Placeholder 5">
-            <a:extLst>
-              <a:ext uri="{FF2B5EF4-FFF2-40B4-BE49-F238E27FC236}">
-                <a16:creationId xmlns:a16="http://schemas.microsoft.com/office/drawing/2014/main" id="{1C211E94-AB3B-1442-BE13-7732C002F24C}"/>
-              </a:ext>
-            </a:extLst>
-          </p:cNvPr>
+          <p:cNvPr id="6" name="Slide Number Placeholder 5"/>
           <p:cNvSpPr>
             <a:spLocks noGrp="1"/>
           </p:cNvSpPr>
@@ -942,18 +874,12 @@
           <a:p>
             <a:fld id="{3FB47A9C-BF25-8A42-BC9F-4426EEF70547}" type="slidenum">
               <a:rPr lang="en-US" smtClean="0"/>
-              <a:t>‹#›</a:t>
             </a:fld>
             <a:endParaRPr lang="en-US"/>
           </a:p>
         </p:txBody>
       </p:sp>
     </p:spTree>
-    <p:extLst>
-      <p:ext uri="{BB962C8B-B14F-4D97-AF65-F5344CB8AC3E}">
-        <p14:creationId xmlns:p14="http://schemas.microsoft.com/office/powerpoint/2010/main" val="3164267830"/>
-      </p:ext>
-    </p:extLst>
   </p:cSld>
   <p:clrMapOvr>
     <a:masterClrMapping/>
@@ -980,13 +906,7 @@
       </p:grpSpPr>
       <p:sp>
         <p:nvSpPr>
-          <p:cNvPr id="2" name="Vertical Title 1">
-            <a:extLst>
-              <a:ext uri="{FF2B5EF4-FFF2-40B4-BE49-F238E27FC236}">
-                <a16:creationId xmlns:a16="http://schemas.microsoft.com/office/drawing/2014/main" id="{17B21DE4-3FA3-0540-A9FA-61FF6BFF13DC}"/>
-              </a:ext>
-            </a:extLst>
-          </p:cNvPr>
+          <p:cNvPr id="2" name="Vertical Title 1"/>
           <p:cNvSpPr>
             <a:spLocks noGrp="1"/>
           </p:cNvSpPr>
@@ -1008,18 +928,13 @@
               <a:rPr lang="en-US"/>
               <a:t>Click to edit Master title style</a:t>
             </a:r>
-          </a:p>
-        </p:txBody>
-      </p:sp>
-      <p:sp>
-        <p:nvSpPr>
-          <p:cNvPr id="3" name="Vertical Text Placeholder 2">
-            <a:extLst>
-              <a:ext uri="{FF2B5EF4-FFF2-40B4-BE49-F238E27FC236}">
-                <a16:creationId xmlns:a16="http://schemas.microsoft.com/office/drawing/2014/main" id="{5C709C91-EB31-CB43-B6AB-E43B11DC1D62}"/>
-              </a:ext>
-            </a:extLst>
-          </p:cNvPr>
+            <a:endParaRPr lang="en-US"/>
+          </a:p>
+        </p:txBody>
+      </p:sp>
+      <p:sp>
+        <p:nvSpPr>
+          <p:cNvPr id="3" name="Vertical Text Placeholder 2"/>
           <p:cNvSpPr>
             <a:spLocks noGrp="1"/>
           </p:cNvSpPr>
@@ -1042,6 +957,7 @@
               <a:rPr lang="en-US"/>
               <a:t>Click to edit Master text styles</a:t>
             </a:r>
+            <a:endParaRPr lang="en-US"/>
           </a:p>
           <a:p>
             <a:pPr lvl="1"/>
@@ -1049,6 +965,7 @@
               <a:rPr lang="en-US"/>
               <a:t>Second level</a:t>
             </a:r>
+            <a:endParaRPr lang="en-US"/>
           </a:p>
           <a:p>
             <a:pPr lvl="2"/>
@@ -1056,6 +973,7 @@
               <a:rPr lang="en-US"/>
               <a:t>Third level</a:t>
             </a:r>
+            <a:endParaRPr lang="en-US"/>
           </a:p>
           <a:p>
             <a:pPr lvl="3"/>
@@ -1063,6 +981,7 @@
               <a:rPr lang="en-US"/>
               <a:t>Fourth level</a:t>
             </a:r>
+            <a:endParaRPr lang="en-US"/>
           </a:p>
           <a:p>
             <a:pPr lvl="4"/>
@@ -1070,18 +989,13 @@
               <a:rPr lang="en-US"/>
               <a:t>Fifth level</a:t>
             </a:r>
-          </a:p>
-        </p:txBody>
-      </p:sp>
-      <p:sp>
-        <p:nvSpPr>
-          <p:cNvPr id="4" name="Date Placeholder 3">
-            <a:extLst>
-              <a:ext uri="{FF2B5EF4-FFF2-40B4-BE49-F238E27FC236}">
-                <a16:creationId xmlns:a16="http://schemas.microsoft.com/office/drawing/2014/main" id="{1B23DE25-70A4-6F4E-B946-12B615B00D55}"/>
-              </a:ext>
-            </a:extLst>
-          </p:cNvPr>
+            <a:endParaRPr lang="en-US"/>
+          </a:p>
+        </p:txBody>
+      </p:sp>
+      <p:sp>
+        <p:nvSpPr>
+          <p:cNvPr id="4" name="Date Placeholder 3"/>
           <p:cNvSpPr>
             <a:spLocks noGrp="1"/>
           </p:cNvSpPr>
@@ -1096,7 +1010,6 @@
           <a:p>
             <a:fld id="{FABEAB63-0147-A740-B4E8-C1F89E010660}" type="datetimeFigureOut">
               <a:rPr lang="en-US" smtClean="0"/>
-              <a:t>5/10/21</a:t>
             </a:fld>
             <a:endParaRPr lang="en-US"/>
           </a:p>
@@ -1104,13 +1017,7 @@
       </p:sp>
       <p:sp>
         <p:nvSpPr>
-          <p:cNvPr id="5" name="Footer Placeholder 4">
-            <a:extLst>
-              <a:ext uri="{FF2B5EF4-FFF2-40B4-BE49-F238E27FC236}">
-                <a16:creationId xmlns:a16="http://schemas.microsoft.com/office/drawing/2014/main" id="{838F9137-5584-4F41-8DF2-9EFE2161D9DF}"/>
-              </a:ext>
-            </a:extLst>
-          </p:cNvPr>
+          <p:cNvPr id="5" name="Footer Placeholder 4"/>
           <p:cNvSpPr>
             <a:spLocks noGrp="1"/>
           </p:cNvSpPr>
@@ -1129,13 +1036,7 @@
       </p:sp>
       <p:sp>
         <p:nvSpPr>
-          <p:cNvPr id="6" name="Slide Number Placeholder 5">
-            <a:extLst>
-              <a:ext uri="{FF2B5EF4-FFF2-40B4-BE49-F238E27FC236}">
-                <a16:creationId xmlns:a16="http://schemas.microsoft.com/office/drawing/2014/main" id="{1E32113F-FBCA-524F-B246-D320341C683E}"/>
-              </a:ext>
-            </a:extLst>
-          </p:cNvPr>
+          <p:cNvPr id="6" name="Slide Number Placeholder 5"/>
           <p:cNvSpPr>
             <a:spLocks noGrp="1"/>
           </p:cNvSpPr>
@@ -1150,18 +1051,12 @@
           <a:p>
             <a:fld id="{3FB47A9C-BF25-8A42-BC9F-4426EEF70547}" type="slidenum">
               <a:rPr lang="en-US" smtClean="0"/>
-              <a:t>‹#›</a:t>
             </a:fld>
             <a:endParaRPr lang="en-US"/>
           </a:p>
         </p:txBody>
       </p:sp>
     </p:spTree>
-    <p:extLst>
-      <p:ext uri="{BB962C8B-B14F-4D97-AF65-F5344CB8AC3E}">
-        <p14:creationId xmlns:p14="http://schemas.microsoft.com/office/powerpoint/2010/main" val="191065405"/>
-      </p:ext>
-    </p:extLst>
   </p:cSld>
   <p:clrMapOvr>
     <a:masterClrMapping/>
@@ -1188,13 +1083,7 @@
       </p:grpSpPr>
       <p:sp>
         <p:nvSpPr>
-          <p:cNvPr id="2" name="Title 1">
-            <a:extLst>
-              <a:ext uri="{FF2B5EF4-FFF2-40B4-BE49-F238E27FC236}">
-                <a16:creationId xmlns:a16="http://schemas.microsoft.com/office/drawing/2014/main" id="{00B5FF7A-0AC1-AB44-A9F1-482DA7B00881}"/>
-              </a:ext>
-            </a:extLst>
-          </p:cNvPr>
+          <p:cNvPr id="2" name="Title 1"/>
           <p:cNvSpPr>
             <a:spLocks noGrp="1"/>
           </p:cNvSpPr>
@@ -1211,18 +1100,13 @@
               <a:rPr lang="en-US"/>
               <a:t>Click to edit Master title style</a:t>
             </a:r>
-          </a:p>
-        </p:txBody>
-      </p:sp>
-      <p:sp>
-        <p:nvSpPr>
-          <p:cNvPr id="3" name="Content Placeholder 2">
-            <a:extLst>
-              <a:ext uri="{FF2B5EF4-FFF2-40B4-BE49-F238E27FC236}">
-                <a16:creationId xmlns:a16="http://schemas.microsoft.com/office/drawing/2014/main" id="{D348961E-7C69-9743-8C85-7713A9F110BA}"/>
-              </a:ext>
-            </a:extLst>
-          </p:cNvPr>
+            <a:endParaRPr lang="en-US"/>
+          </a:p>
+        </p:txBody>
+      </p:sp>
+      <p:sp>
+        <p:nvSpPr>
+          <p:cNvPr id="3" name="Content Placeholder 2"/>
           <p:cNvSpPr>
             <a:spLocks noGrp="1"/>
           </p:cNvSpPr>
@@ -1240,6 +1124,7 @@
               <a:rPr lang="en-US"/>
               <a:t>Click to edit Master text styles</a:t>
             </a:r>
+            <a:endParaRPr lang="en-US"/>
           </a:p>
           <a:p>
             <a:pPr lvl="1"/>
@@ -1247,6 +1132,7 @@
               <a:rPr lang="en-US"/>
               <a:t>Second level</a:t>
             </a:r>
+            <a:endParaRPr lang="en-US"/>
           </a:p>
           <a:p>
             <a:pPr lvl="2"/>
@@ -1254,6 +1140,7 @@
               <a:rPr lang="en-US"/>
               <a:t>Third level</a:t>
             </a:r>
+            <a:endParaRPr lang="en-US"/>
           </a:p>
           <a:p>
             <a:pPr lvl="3"/>
@@ -1261,6 +1148,7 @@
               <a:rPr lang="en-US"/>
               <a:t>Fourth level</a:t>
             </a:r>
+            <a:endParaRPr lang="en-US"/>
           </a:p>
           <a:p>
             <a:pPr lvl="4"/>
@@ -1268,18 +1156,13 @@
               <a:rPr lang="en-US"/>
               <a:t>Fifth level</a:t>
             </a:r>
-          </a:p>
-        </p:txBody>
-      </p:sp>
-      <p:sp>
-        <p:nvSpPr>
-          <p:cNvPr id="4" name="Date Placeholder 3">
-            <a:extLst>
-              <a:ext uri="{FF2B5EF4-FFF2-40B4-BE49-F238E27FC236}">
-                <a16:creationId xmlns:a16="http://schemas.microsoft.com/office/drawing/2014/main" id="{066A308C-75E2-EF46-8276-7218DBE54D08}"/>
-              </a:ext>
-            </a:extLst>
-          </p:cNvPr>
+            <a:endParaRPr lang="en-US"/>
+          </a:p>
+        </p:txBody>
+      </p:sp>
+      <p:sp>
+        <p:nvSpPr>
+          <p:cNvPr id="4" name="Date Placeholder 3"/>
           <p:cNvSpPr>
             <a:spLocks noGrp="1"/>
           </p:cNvSpPr>
@@ -1294,7 +1177,6 @@
           <a:p>
             <a:fld id="{FABEAB63-0147-A740-B4E8-C1F89E010660}" type="datetimeFigureOut">
               <a:rPr lang="en-US" smtClean="0"/>
-              <a:t>5/10/21</a:t>
             </a:fld>
             <a:endParaRPr lang="en-US"/>
           </a:p>
@@ -1302,13 +1184,7 @@
       </p:sp>
       <p:sp>
         <p:nvSpPr>
-          <p:cNvPr id="5" name="Footer Placeholder 4">
-            <a:extLst>
-              <a:ext uri="{FF2B5EF4-FFF2-40B4-BE49-F238E27FC236}">
-                <a16:creationId xmlns:a16="http://schemas.microsoft.com/office/drawing/2014/main" id="{8312B65A-1C4A-1A41-92EC-E85363121B88}"/>
-              </a:ext>
-            </a:extLst>
-          </p:cNvPr>
+          <p:cNvPr id="5" name="Footer Placeholder 4"/>
           <p:cNvSpPr>
             <a:spLocks noGrp="1"/>
           </p:cNvSpPr>
@@ -1327,13 +1203,7 @@
       </p:sp>
       <p:sp>
         <p:nvSpPr>
-          <p:cNvPr id="6" name="Slide Number Placeholder 5">
-            <a:extLst>
-              <a:ext uri="{FF2B5EF4-FFF2-40B4-BE49-F238E27FC236}">
-                <a16:creationId xmlns:a16="http://schemas.microsoft.com/office/drawing/2014/main" id="{696108D4-2D5D-4E40-97DE-51E6275AC588}"/>
-              </a:ext>
-            </a:extLst>
-          </p:cNvPr>
+          <p:cNvPr id="6" name="Slide Number Placeholder 5"/>
           <p:cNvSpPr>
             <a:spLocks noGrp="1"/>
           </p:cNvSpPr>
@@ -1348,18 +1218,12 @@
           <a:p>
             <a:fld id="{3FB47A9C-BF25-8A42-BC9F-4426EEF70547}" type="slidenum">
               <a:rPr lang="en-US" smtClean="0"/>
-              <a:t>‹#›</a:t>
             </a:fld>
             <a:endParaRPr lang="en-US"/>
           </a:p>
         </p:txBody>
       </p:sp>
     </p:spTree>
-    <p:extLst>
-      <p:ext uri="{BB962C8B-B14F-4D97-AF65-F5344CB8AC3E}">
-        <p14:creationId xmlns:p14="http://schemas.microsoft.com/office/powerpoint/2010/main" val="3489639821"/>
-      </p:ext>
-    </p:extLst>
   </p:cSld>
   <p:clrMapOvr>
     <a:masterClrMapping/>
@@ -1386,13 +1250,7 @@
       </p:grpSpPr>
       <p:sp>
         <p:nvSpPr>
-          <p:cNvPr id="2" name="Title 1">
-            <a:extLst>
-              <a:ext uri="{FF2B5EF4-FFF2-40B4-BE49-F238E27FC236}">
-                <a16:creationId xmlns:a16="http://schemas.microsoft.com/office/drawing/2014/main" id="{1FA15409-FADE-1D4D-B795-097912175A9C}"/>
-              </a:ext>
-            </a:extLst>
-          </p:cNvPr>
+          <p:cNvPr id="2" name="Title 1"/>
           <p:cNvSpPr>
             <a:spLocks noGrp="1"/>
           </p:cNvSpPr>
@@ -1418,18 +1276,13 @@
               <a:rPr lang="en-US"/>
               <a:t>Click to edit Master title style</a:t>
             </a:r>
-          </a:p>
-        </p:txBody>
-      </p:sp>
-      <p:sp>
-        <p:nvSpPr>
-          <p:cNvPr id="3" name="Text Placeholder 2">
-            <a:extLst>
-              <a:ext uri="{FF2B5EF4-FFF2-40B4-BE49-F238E27FC236}">
-                <a16:creationId xmlns:a16="http://schemas.microsoft.com/office/drawing/2014/main" id="{36F14BD1-0E53-7844-9156-349D520EAF0A}"/>
-              </a:ext>
-            </a:extLst>
-          </p:cNvPr>
+            <a:endParaRPr lang="en-US"/>
+          </a:p>
+        </p:txBody>
+      </p:sp>
+      <p:sp>
+        <p:nvSpPr>
+          <p:cNvPr id="3" name="Text Placeholder 2"/>
           <p:cNvSpPr>
             <a:spLocks noGrp="1"/>
           </p:cNvSpPr>
@@ -1543,18 +1396,13 @@
               <a:rPr lang="en-US"/>
               <a:t>Click to edit Master text styles</a:t>
             </a:r>
-          </a:p>
-        </p:txBody>
-      </p:sp>
-      <p:sp>
-        <p:nvSpPr>
-          <p:cNvPr id="4" name="Date Placeholder 3">
-            <a:extLst>
-              <a:ext uri="{FF2B5EF4-FFF2-40B4-BE49-F238E27FC236}">
-                <a16:creationId xmlns:a16="http://schemas.microsoft.com/office/drawing/2014/main" id="{E7216299-2F51-FE4D-950D-F5557CEBA7D6}"/>
-              </a:ext>
-            </a:extLst>
-          </p:cNvPr>
+            <a:endParaRPr lang="en-US"/>
+          </a:p>
+        </p:txBody>
+      </p:sp>
+      <p:sp>
+        <p:nvSpPr>
+          <p:cNvPr id="4" name="Date Placeholder 3"/>
           <p:cNvSpPr>
             <a:spLocks noGrp="1"/>
           </p:cNvSpPr>
@@ -1569,7 +1417,6 @@
           <a:p>
             <a:fld id="{FABEAB63-0147-A740-B4E8-C1F89E010660}" type="datetimeFigureOut">
               <a:rPr lang="en-US" smtClean="0"/>
-              <a:t>5/10/21</a:t>
             </a:fld>
             <a:endParaRPr lang="en-US"/>
           </a:p>
@@ -1577,13 +1424,7 @@
       </p:sp>
       <p:sp>
         <p:nvSpPr>
-          <p:cNvPr id="5" name="Footer Placeholder 4">
-            <a:extLst>
-              <a:ext uri="{FF2B5EF4-FFF2-40B4-BE49-F238E27FC236}">
-                <a16:creationId xmlns:a16="http://schemas.microsoft.com/office/drawing/2014/main" id="{BFBCC556-D953-C24D-B89A-2BB46BAAA58F}"/>
-              </a:ext>
-            </a:extLst>
-          </p:cNvPr>
+          <p:cNvPr id="5" name="Footer Placeholder 4"/>
           <p:cNvSpPr>
             <a:spLocks noGrp="1"/>
           </p:cNvSpPr>
@@ -1602,13 +1443,7 @@
       </p:sp>
       <p:sp>
         <p:nvSpPr>
-          <p:cNvPr id="6" name="Slide Number Placeholder 5">
-            <a:extLst>
-              <a:ext uri="{FF2B5EF4-FFF2-40B4-BE49-F238E27FC236}">
-                <a16:creationId xmlns:a16="http://schemas.microsoft.com/office/drawing/2014/main" id="{BA49D130-5785-5240-8BB6-B87F15C874E9}"/>
-              </a:ext>
-            </a:extLst>
-          </p:cNvPr>
+          <p:cNvPr id="6" name="Slide Number Placeholder 5"/>
           <p:cNvSpPr>
             <a:spLocks noGrp="1"/>
           </p:cNvSpPr>
@@ -1623,18 +1458,12 @@
           <a:p>
             <a:fld id="{3FB47A9C-BF25-8A42-BC9F-4426EEF70547}" type="slidenum">
               <a:rPr lang="en-US" smtClean="0"/>
-              <a:t>‹#›</a:t>
             </a:fld>
             <a:endParaRPr lang="en-US"/>
           </a:p>
         </p:txBody>
       </p:sp>
     </p:spTree>
-    <p:extLst>
-      <p:ext uri="{BB962C8B-B14F-4D97-AF65-F5344CB8AC3E}">
-        <p14:creationId xmlns:p14="http://schemas.microsoft.com/office/powerpoint/2010/main" val="224103147"/>
-      </p:ext>
-    </p:extLst>
   </p:cSld>
   <p:clrMapOvr>
     <a:masterClrMapping/>
@@ -1661,13 +1490,7 @@
       </p:grpSpPr>
       <p:sp>
         <p:nvSpPr>
-          <p:cNvPr id="2" name="Title 1">
-            <a:extLst>
-              <a:ext uri="{FF2B5EF4-FFF2-40B4-BE49-F238E27FC236}">
-                <a16:creationId xmlns:a16="http://schemas.microsoft.com/office/drawing/2014/main" id="{2E931A64-B643-0B4E-82C8-B347B71B21E2}"/>
-              </a:ext>
-            </a:extLst>
-          </p:cNvPr>
+          <p:cNvPr id="2" name="Title 1"/>
           <p:cNvSpPr>
             <a:spLocks noGrp="1"/>
           </p:cNvSpPr>
@@ -1684,18 +1507,13 @@
               <a:rPr lang="en-US"/>
               <a:t>Click to edit Master title style</a:t>
             </a:r>
-          </a:p>
-        </p:txBody>
-      </p:sp>
-      <p:sp>
-        <p:nvSpPr>
-          <p:cNvPr id="3" name="Content Placeholder 2">
-            <a:extLst>
-              <a:ext uri="{FF2B5EF4-FFF2-40B4-BE49-F238E27FC236}">
-                <a16:creationId xmlns:a16="http://schemas.microsoft.com/office/drawing/2014/main" id="{998CCC16-2A7F-A648-9D2F-E43614E55B40}"/>
-              </a:ext>
-            </a:extLst>
-          </p:cNvPr>
+            <a:endParaRPr lang="en-US"/>
+          </a:p>
+        </p:txBody>
+      </p:sp>
+      <p:sp>
+        <p:nvSpPr>
+          <p:cNvPr id="3" name="Content Placeholder 2"/>
           <p:cNvSpPr>
             <a:spLocks noGrp="1"/>
           </p:cNvSpPr>
@@ -1718,6 +1536,7 @@
               <a:rPr lang="en-US"/>
               <a:t>Click to edit Master text styles</a:t>
             </a:r>
+            <a:endParaRPr lang="en-US"/>
           </a:p>
           <a:p>
             <a:pPr lvl="1"/>
@@ -1725,6 +1544,7 @@
               <a:rPr lang="en-US"/>
               <a:t>Second level</a:t>
             </a:r>
+            <a:endParaRPr lang="en-US"/>
           </a:p>
           <a:p>
             <a:pPr lvl="2"/>
@@ -1732,6 +1552,7 @@
               <a:rPr lang="en-US"/>
               <a:t>Third level</a:t>
             </a:r>
+            <a:endParaRPr lang="en-US"/>
           </a:p>
           <a:p>
             <a:pPr lvl="3"/>
@@ -1739,6 +1560,7 @@
               <a:rPr lang="en-US"/>
               <a:t>Fourth level</a:t>
             </a:r>
+            <a:endParaRPr lang="en-US"/>
           </a:p>
           <a:p>
             <a:pPr lvl="4"/>
@@ -1746,18 +1568,13 @@
               <a:rPr lang="en-US"/>
               <a:t>Fifth level</a:t>
             </a:r>
-          </a:p>
-        </p:txBody>
-      </p:sp>
-      <p:sp>
-        <p:nvSpPr>
-          <p:cNvPr id="4" name="Content Placeholder 3">
-            <a:extLst>
-              <a:ext uri="{FF2B5EF4-FFF2-40B4-BE49-F238E27FC236}">
-                <a16:creationId xmlns:a16="http://schemas.microsoft.com/office/drawing/2014/main" id="{7A79C677-FC37-8C48-B0CE-616688B8EC55}"/>
-              </a:ext>
-            </a:extLst>
-          </p:cNvPr>
+            <a:endParaRPr lang="en-US"/>
+          </a:p>
+        </p:txBody>
+      </p:sp>
+      <p:sp>
+        <p:nvSpPr>
+          <p:cNvPr id="4" name="Content Placeholder 3"/>
           <p:cNvSpPr>
             <a:spLocks noGrp="1"/>
           </p:cNvSpPr>
@@ -1780,6 +1597,7 @@
               <a:rPr lang="en-US"/>
               <a:t>Click to edit Master text styles</a:t>
             </a:r>
+            <a:endParaRPr lang="en-US"/>
           </a:p>
           <a:p>
             <a:pPr lvl="1"/>
@@ -1787,6 +1605,7 @@
               <a:rPr lang="en-US"/>
               <a:t>Second level</a:t>
             </a:r>
+            <a:endParaRPr lang="en-US"/>
           </a:p>
           <a:p>
             <a:pPr lvl="2"/>
@@ -1794,6 +1613,7 @@
               <a:rPr lang="en-US"/>
               <a:t>Third level</a:t>
             </a:r>
+            <a:endParaRPr lang="en-US"/>
           </a:p>
           <a:p>
             <a:pPr lvl="3"/>
@@ -1801,6 +1621,7 @@
               <a:rPr lang="en-US"/>
               <a:t>Fourth level</a:t>
             </a:r>
+            <a:endParaRPr lang="en-US"/>
           </a:p>
           <a:p>
             <a:pPr lvl="4"/>
@@ -1808,18 +1629,13 @@
               <a:rPr lang="en-US"/>
               <a:t>Fifth level</a:t>
             </a:r>
-          </a:p>
-        </p:txBody>
-      </p:sp>
-      <p:sp>
-        <p:nvSpPr>
-          <p:cNvPr id="5" name="Date Placeholder 4">
-            <a:extLst>
-              <a:ext uri="{FF2B5EF4-FFF2-40B4-BE49-F238E27FC236}">
-                <a16:creationId xmlns:a16="http://schemas.microsoft.com/office/drawing/2014/main" id="{7BD5691E-2BC5-634F-97B8-6F8D041D1D3C}"/>
-              </a:ext>
-            </a:extLst>
-          </p:cNvPr>
+            <a:endParaRPr lang="en-US"/>
+          </a:p>
+        </p:txBody>
+      </p:sp>
+      <p:sp>
+        <p:nvSpPr>
+          <p:cNvPr id="5" name="Date Placeholder 4"/>
           <p:cNvSpPr>
             <a:spLocks noGrp="1"/>
           </p:cNvSpPr>
@@ -1834,7 +1650,6 @@
           <a:p>
             <a:fld id="{FABEAB63-0147-A740-B4E8-C1F89E010660}" type="datetimeFigureOut">
               <a:rPr lang="en-US" smtClean="0"/>
-              <a:t>5/10/21</a:t>
             </a:fld>
             <a:endParaRPr lang="en-US"/>
           </a:p>
@@ -1842,13 +1657,7 @@
       </p:sp>
       <p:sp>
         <p:nvSpPr>
-          <p:cNvPr id="6" name="Footer Placeholder 5">
-            <a:extLst>
-              <a:ext uri="{FF2B5EF4-FFF2-40B4-BE49-F238E27FC236}">
-                <a16:creationId xmlns:a16="http://schemas.microsoft.com/office/drawing/2014/main" id="{601C83D0-8FD6-3343-B9F0-EBFA02FDEE66}"/>
-              </a:ext>
-            </a:extLst>
-          </p:cNvPr>
+          <p:cNvPr id="6" name="Footer Placeholder 5"/>
           <p:cNvSpPr>
             <a:spLocks noGrp="1"/>
           </p:cNvSpPr>
@@ -1867,13 +1676,7 @@
       </p:sp>
       <p:sp>
         <p:nvSpPr>
-          <p:cNvPr id="7" name="Slide Number Placeholder 6">
-            <a:extLst>
-              <a:ext uri="{FF2B5EF4-FFF2-40B4-BE49-F238E27FC236}">
-                <a16:creationId xmlns:a16="http://schemas.microsoft.com/office/drawing/2014/main" id="{9A264494-CF86-AF4C-9EAE-FAAED72359E6}"/>
-              </a:ext>
-            </a:extLst>
-          </p:cNvPr>
+          <p:cNvPr id="7" name="Slide Number Placeholder 6"/>
           <p:cNvSpPr>
             <a:spLocks noGrp="1"/>
           </p:cNvSpPr>
@@ -1888,18 +1691,12 @@
           <a:p>
             <a:fld id="{3FB47A9C-BF25-8A42-BC9F-4426EEF70547}" type="slidenum">
               <a:rPr lang="en-US" smtClean="0"/>
-              <a:t>‹#›</a:t>
             </a:fld>
             <a:endParaRPr lang="en-US"/>
           </a:p>
         </p:txBody>
       </p:sp>
     </p:spTree>
-    <p:extLst>
-      <p:ext uri="{BB962C8B-B14F-4D97-AF65-F5344CB8AC3E}">
-        <p14:creationId xmlns:p14="http://schemas.microsoft.com/office/powerpoint/2010/main" val="3133058862"/>
-      </p:ext>
-    </p:extLst>
   </p:cSld>
   <p:clrMapOvr>
     <a:masterClrMapping/>
@@ -1926,13 +1723,7 @@
       </p:grpSpPr>
       <p:sp>
         <p:nvSpPr>
-          <p:cNvPr id="2" name="Title 1">
-            <a:extLst>
-              <a:ext uri="{FF2B5EF4-FFF2-40B4-BE49-F238E27FC236}">
-                <a16:creationId xmlns:a16="http://schemas.microsoft.com/office/drawing/2014/main" id="{7B256B7D-C702-0C46-B8E7-0119AF9DFD43}"/>
-              </a:ext>
-            </a:extLst>
-          </p:cNvPr>
+          <p:cNvPr id="2" name="Title 1"/>
           <p:cNvSpPr>
             <a:spLocks noGrp="1"/>
           </p:cNvSpPr>
@@ -1954,18 +1745,13 @@
               <a:rPr lang="en-US"/>
               <a:t>Click to edit Master title style</a:t>
             </a:r>
-          </a:p>
-        </p:txBody>
-      </p:sp>
-      <p:sp>
-        <p:nvSpPr>
-          <p:cNvPr id="3" name="Text Placeholder 2">
-            <a:extLst>
-              <a:ext uri="{FF2B5EF4-FFF2-40B4-BE49-F238E27FC236}">
-                <a16:creationId xmlns:a16="http://schemas.microsoft.com/office/drawing/2014/main" id="{22204734-544A-2B47-B3DA-26D2AC9B3ED3}"/>
-              </a:ext>
-            </a:extLst>
-          </p:cNvPr>
+            <a:endParaRPr lang="en-US"/>
+          </a:p>
+        </p:txBody>
+      </p:sp>
+      <p:sp>
+        <p:nvSpPr>
+          <p:cNvPr id="3" name="Text Placeholder 2"/>
           <p:cNvSpPr>
             <a:spLocks noGrp="1"/>
           </p:cNvSpPr>
@@ -2025,18 +1811,13 @@
               <a:rPr lang="en-US"/>
               <a:t>Click to edit Master text styles</a:t>
             </a:r>
-          </a:p>
-        </p:txBody>
-      </p:sp>
-      <p:sp>
-        <p:nvSpPr>
-          <p:cNvPr id="4" name="Content Placeholder 3">
-            <a:extLst>
-              <a:ext uri="{FF2B5EF4-FFF2-40B4-BE49-F238E27FC236}">
-                <a16:creationId xmlns:a16="http://schemas.microsoft.com/office/drawing/2014/main" id="{12D4F02C-6899-CF46-A83A-1423B8371CF2}"/>
-              </a:ext>
-            </a:extLst>
-          </p:cNvPr>
+            <a:endParaRPr lang="en-US"/>
+          </a:p>
+        </p:txBody>
+      </p:sp>
+      <p:sp>
+        <p:nvSpPr>
+          <p:cNvPr id="4" name="Content Placeholder 3"/>
           <p:cNvSpPr>
             <a:spLocks noGrp="1"/>
           </p:cNvSpPr>
@@ -2059,6 +1840,7 @@
               <a:rPr lang="en-US"/>
               <a:t>Click to edit Master text styles</a:t>
             </a:r>
+            <a:endParaRPr lang="en-US"/>
           </a:p>
           <a:p>
             <a:pPr lvl="1"/>
@@ -2066,6 +1848,7 @@
               <a:rPr lang="en-US"/>
               <a:t>Second level</a:t>
             </a:r>
+            <a:endParaRPr lang="en-US"/>
           </a:p>
           <a:p>
             <a:pPr lvl="2"/>
@@ -2073,6 +1856,7 @@
               <a:rPr lang="en-US"/>
               <a:t>Third level</a:t>
             </a:r>
+            <a:endParaRPr lang="en-US"/>
           </a:p>
           <a:p>
             <a:pPr lvl="3"/>
@@ -2080,6 +1864,7 @@
               <a:rPr lang="en-US"/>
               <a:t>Fourth level</a:t>
             </a:r>
+            <a:endParaRPr lang="en-US"/>
           </a:p>
           <a:p>
             <a:pPr lvl="4"/>
@@ -2087,18 +1872,13 @@
               <a:rPr lang="en-US"/>
               <a:t>Fifth level</a:t>
             </a:r>
-          </a:p>
-        </p:txBody>
-      </p:sp>
-      <p:sp>
-        <p:nvSpPr>
-          <p:cNvPr id="5" name="Text Placeholder 4">
-            <a:extLst>
-              <a:ext uri="{FF2B5EF4-FFF2-40B4-BE49-F238E27FC236}">
-                <a16:creationId xmlns:a16="http://schemas.microsoft.com/office/drawing/2014/main" id="{0FF3D49A-5ADE-274B-AB99-849FAD3A47E8}"/>
-              </a:ext>
-            </a:extLst>
-          </p:cNvPr>
+            <a:endParaRPr lang="en-US"/>
+          </a:p>
+        </p:txBody>
+      </p:sp>
+      <p:sp>
+        <p:nvSpPr>
+          <p:cNvPr id="5" name="Text Placeholder 4"/>
           <p:cNvSpPr>
             <a:spLocks noGrp="1"/>
           </p:cNvSpPr>
@@ -2158,18 +1938,13 @@
               <a:rPr lang="en-US"/>
               <a:t>Click to edit Master text styles</a:t>
             </a:r>
-          </a:p>
-        </p:txBody>
-      </p:sp>
-      <p:sp>
-        <p:nvSpPr>
-          <p:cNvPr id="6" name="Content Placeholder 5">
-            <a:extLst>
-              <a:ext uri="{FF2B5EF4-FFF2-40B4-BE49-F238E27FC236}">
-                <a16:creationId xmlns:a16="http://schemas.microsoft.com/office/drawing/2014/main" id="{69804EC6-416C-5D47-B4AD-5622BFBCE57D}"/>
-              </a:ext>
-            </a:extLst>
-          </p:cNvPr>
+            <a:endParaRPr lang="en-US"/>
+          </a:p>
+        </p:txBody>
+      </p:sp>
+      <p:sp>
+        <p:nvSpPr>
+          <p:cNvPr id="6" name="Content Placeholder 5"/>
           <p:cNvSpPr>
             <a:spLocks noGrp="1"/>
           </p:cNvSpPr>
@@ -2192,6 +1967,7 @@
               <a:rPr lang="en-US"/>
               <a:t>Click to edit Master text styles</a:t>
             </a:r>
+            <a:endParaRPr lang="en-US"/>
           </a:p>
           <a:p>
             <a:pPr lvl="1"/>
@@ -2199,6 +1975,7 @@
               <a:rPr lang="en-US"/>
               <a:t>Second level</a:t>
             </a:r>
+            <a:endParaRPr lang="en-US"/>
           </a:p>
           <a:p>
             <a:pPr lvl="2"/>
@@ -2206,6 +1983,7 @@
               <a:rPr lang="en-US"/>
               <a:t>Third level</a:t>
             </a:r>
+            <a:endParaRPr lang="en-US"/>
           </a:p>
           <a:p>
             <a:pPr lvl="3"/>
@@ -2213,6 +1991,7 @@
               <a:rPr lang="en-US"/>
               <a:t>Fourth level</a:t>
             </a:r>
+            <a:endParaRPr lang="en-US"/>
           </a:p>
           <a:p>
             <a:pPr lvl="4"/>
@@ -2220,18 +1999,13 @@
               <a:rPr lang="en-US"/>
               <a:t>Fifth level</a:t>
             </a:r>
-          </a:p>
-        </p:txBody>
-      </p:sp>
-      <p:sp>
-        <p:nvSpPr>
-          <p:cNvPr id="7" name="Date Placeholder 6">
-            <a:extLst>
-              <a:ext uri="{FF2B5EF4-FFF2-40B4-BE49-F238E27FC236}">
-                <a16:creationId xmlns:a16="http://schemas.microsoft.com/office/drawing/2014/main" id="{B951620A-FCED-0342-A91F-5E7A6F627D17}"/>
-              </a:ext>
-            </a:extLst>
-          </p:cNvPr>
+            <a:endParaRPr lang="en-US"/>
+          </a:p>
+        </p:txBody>
+      </p:sp>
+      <p:sp>
+        <p:nvSpPr>
+          <p:cNvPr id="7" name="Date Placeholder 6"/>
           <p:cNvSpPr>
             <a:spLocks noGrp="1"/>
           </p:cNvSpPr>
@@ -2246,7 +2020,6 @@
           <a:p>
             <a:fld id="{FABEAB63-0147-A740-B4E8-C1F89E010660}" type="datetimeFigureOut">
               <a:rPr lang="en-US" smtClean="0"/>
-              <a:t>5/10/21</a:t>
             </a:fld>
             <a:endParaRPr lang="en-US"/>
           </a:p>
@@ -2254,13 +2027,7 @@
       </p:sp>
       <p:sp>
         <p:nvSpPr>
-          <p:cNvPr id="8" name="Footer Placeholder 7">
-            <a:extLst>
-              <a:ext uri="{FF2B5EF4-FFF2-40B4-BE49-F238E27FC236}">
-                <a16:creationId xmlns:a16="http://schemas.microsoft.com/office/drawing/2014/main" id="{E2B3577E-B139-E54C-991C-E7DD5C60A106}"/>
-              </a:ext>
-            </a:extLst>
-          </p:cNvPr>
+          <p:cNvPr id="8" name="Footer Placeholder 7"/>
           <p:cNvSpPr>
             <a:spLocks noGrp="1"/>
           </p:cNvSpPr>
@@ -2279,13 +2046,7 @@
       </p:sp>
       <p:sp>
         <p:nvSpPr>
-          <p:cNvPr id="9" name="Slide Number Placeholder 8">
-            <a:extLst>
-              <a:ext uri="{FF2B5EF4-FFF2-40B4-BE49-F238E27FC236}">
-                <a16:creationId xmlns:a16="http://schemas.microsoft.com/office/drawing/2014/main" id="{8B687D94-C8FA-F646-8EFD-103D4B864AA5}"/>
-              </a:ext>
-            </a:extLst>
-          </p:cNvPr>
+          <p:cNvPr id="9" name="Slide Number Placeholder 8"/>
           <p:cNvSpPr>
             <a:spLocks noGrp="1"/>
           </p:cNvSpPr>
@@ -2300,18 +2061,12 @@
           <a:p>
             <a:fld id="{3FB47A9C-BF25-8A42-BC9F-4426EEF70547}" type="slidenum">
               <a:rPr lang="en-US" smtClean="0"/>
-              <a:t>‹#›</a:t>
             </a:fld>
             <a:endParaRPr lang="en-US"/>
           </a:p>
         </p:txBody>
       </p:sp>
     </p:spTree>
-    <p:extLst>
-      <p:ext uri="{BB962C8B-B14F-4D97-AF65-F5344CB8AC3E}">
-        <p14:creationId xmlns:p14="http://schemas.microsoft.com/office/powerpoint/2010/main" val="4243535437"/>
-      </p:ext>
-    </p:extLst>
   </p:cSld>
   <p:clrMapOvr>
     <a:masterClrMapping/>
@@ -2338,13 +2093,7 @@
       </p:grpSpPr>
       <p:sp>
         <p:nvSpPr>
-          <p:cNvPr id="2" name="Title 1">
-            <a:extLst>
-              <a:ext uri="{FF2B5EF4-FFF2-40B4-BE49-F238E27FC236}">
-                <a16:creationId xmlns:a16="http://schemas.microsoft.com/office/drawing/2014/main" id="{65345671-0F29-BE43-A79A-AD75FF1DCCFD}"/>
-              </a:ext>
-            </a:extLst>
-          </p:cNvPr>
+          <p:cNvPr id="2" name="Title 1"/>
           <p:cNvSpPr>
             <a:spLocks noGrp="1"/>
           </p:cNvSpPr>
@@ -2361,18 +2110,13 @@
               <a:rPr lang="en-US"/>
               <a:t>Click to edit Master title style</a:t>
             </a:r>
-          </a:p>
-        </p:txBody>
-      </p:sp>
-      <p:sp>
-        <p:nvSpPr>
-          <p:cNvPr id="3" name="Date Placeholder 2">
-            <a:extLst>
-              <a:ext uri="{FF2B5EF4-FFF2-40B4-BE49-F238E27FC236}">
-                <a16:creationId xmlns:a16="http://schemas.microsoft.com/office/drawing/2014/main" id="{F3B240AD-E66A-A444-ABB8-2D45626624A9}"/>
-              </a:ext>
-            </a:extLst>
-          </p:cNvPr>
+            <a:endParaRPr lang="en-US"/>
+          </a:p>
+        </p:txBody>
+      </p:sp>
+      <p:sp>
+        <p:nvSpPr>
+          <p:cNvPr id="3" name="Date Placeholder 2"/>
           <p:cNvSpPr>
             <a:spLocks noGrp="1"/>
           </p:cNvSpPr>
@@ -2387,7 +2131,6 @@
           <a:p>
             <a:fld id="{FABEAB63-0147-A740-B4E8-C1F89E010660}" type="datetimeFigureOut">
               <a:rPr lang="en-US" smtClean="0"/>
-              <a:t>5/10/21</a:t>
             </a:fld>
             <a:endParaRPr lang="en-US"/>
           </a:p>
@@ -2395,13 +2138,7 @@
       </p:sp>
       <p:sp>
         <p:nvSpPr>
-          <p:cNvPr id="4" name="Footer Placeholder 3">
-            <a:extLst>
-              <a:ext uri="{FF2B5EF4-FFF2-40B4-BE49-F238E27FC236}">
-                <a16:creationId xmlns:a16="http://schemas.microsoft.com/office/drawing/2014/main" id="{66834D46-7D28-9144-A627-9E1E32E17404}"/>
-              </a:ext>
-            </a:extLst>
-          </p:cNvPr>
+          <p:cNvPr id="4" name="Footer Placeholder 3"/>
           <p:cNvSpPr>
             <a:spLocks noGrp="1"/>
           </p:cNvSpPr>
@@ -2420,13 +2157,7 @@
       </p:sp>
       <p:sp>
         <p:nvSpPr>
-          <p:cNvPr id="5" name="Slide Number Placeholder 4">
-            <a:extLst>
-              <a:ext uri="{FF2B5EF4-FFF2-40B4-BE49-F238E27FC236}">
-                <a16:creationId xmlns:a16="http://schemas.microsoft.com/office/drawing/2014/main" id="{D87B2A9C-EFE5-0E4D-BFBB-AE827B30A0AC}"/>
-              </a:ext>
-            </a:extLst>
-          </p:cNvPr>
+          <p:cNvPr id="5" name="Slide Number Placeholder 4"/>
           <p:cNvSpPr>
             <a:spLocks noGrp="1"/>
           </p:cNvSpPr>
@@ -2441,18 +2172,12 @@
           <a:p>
             <a:fld id="{3FB47A9C-BF25-8A42-BC9F-4426EEF70547}" type="slidenum">
               <a:rPr lang="en-US" smtClean="0"/>
-              <a:t>‹#›</a:t>
             </a:fld>
             <a:endParaRPr lang="en-US"/>
           </a:p>
         </p:txBody>
       </p:sp>
     </p:spTree>
-    <p:extLst>
-      <p:ext uri="{BB962C8B-B14F-4D97-AF65-F5344CB8AC3E}">
-        <p14:creationId xmlns:p14="http://schemas.microsoft.com/office/powerpoint/2010/main" val="2146343200"/>
-      </p:ext>
-    </p:extLst>
   </p:cSld>
   <p:clrMapOvr>
     <a:masterClrMapping/>
@@ -2479,13 +2204,7 @@
       </p:grpSpPr>
       <p:sp>
         <p:nvSpPr>
-          <p:cNvPr id="2" name="Date Placeholder 1">
-            <a:extLst>
-              <a:ext uri="{FF2B5EF4-FFF2-40B4-BE49-F238E27FC236}">
-                <a16:creationId xmlns:a16="http://schemas.microsoft.com/office/drawing/2014/main" id="{8FB80BC7-1EFC-A24A-A963-C6BDA88B00A6}"/>
-              </a:ext>
-            </a:extLst>
-          </p:cNvPr>
+          <p:cNvPr id="2" name="Date Placeholder 1"/>
           <p:cNvSpPr>
             <a:spLocks noGrp="1"/>
           </p:cNvSpPr>
@@ -2500,7 +2219,6 @@
           <a:p>
             <a:fld id="{FABEAB63-0147-A740-B4E8-C1F89E010660}" type="datetimeFigureOut">
               <a:rPr lang="en-US" smtClean="0"/>
-              <a:t>5/10/21</a:t>
             </a:fld>
             <a:endParaRPr lang="en-US"/>
           </a:p>
@@ -2508,13 +2226,7 @@
       </p:sp>
       <p:sp>
         <p:nvSpPr>
-          <p:cNvPr id="3" name="Footer Placeholder 2">
-            <a:extLst>
-              <a:ext uri="{FF2B5EF4-FFF2-40B4-BE49-F238E27FC236}">
-                <a16:creationId xmlns:a16="http://schemas.microsoft.com/office/drawing/2014/main" id="{0F77B07F-39E2-7D43-9002-61C28273FF14}"/>
-              </a:ext>
-            </a:extLst>
-          </p:cNvPr>
+          <p:cNvPr id="3" name="Footer Placeholder 2"/>
           <p:cNvSpPr>
             <a:spLocks noGrp="1"/>
           </p:cNvSpPr>
@@ -2533,13 +2245,7 @@
       </p:sp>
       <p:sp>
         <p:nvSpPr>
-          <p:cNvPr id="4" name="Slide Number Placeholder 3">
-            <a:extLst>
-              <a:ext uri="{FF2B5EF4-FFF2-40B4-BE49-F238E27FC236}">
-                <a16:creationId xmlns:a16="http://schemas.microsoft.com/office/drawing/2014/main" id="{96FA6CE9-F8B5-0949-833F-F6594A519B13}"/>
-              </a:ext>
-            </a:extLst>
-          </p:cNvPr>
+          <p:cNvPr id="4" name="Slide Number Placeholder 3"/>
           <p:cNvSpPr>
             <a:spLocks noGrp="1"/>
           </p:cNvSpPr>
@@ -2554,18 +2260,12 @@
           <a:p>
             <a:fld id="{3FB47A9C-BF25-8A42-BC9F-4426EEF70547}" type="slidenum">
               <a:rPr lang="en-US" smtClean="0"/>
-              <a:t>‹#›</a:t>
             </a:fld>
             <a:endParaRPr lang="en-US"/>
           </a:p>
         </p:txBody>
       </p:sp>
     </p:spTree>
-    <p:extLst>
-      <p:ext uri="{BB962C8B-B14F-4D97-AF65-F5344CB8AC3E}">
-        <p14:creationId xmlns:p14="http://schemas.microsoft.com/office/powerpoint/2010/main" val="4259652707"/>
-      </p:ext>
-    </p:extLst>
   </p:cSld>
   <p:clrMapOvr>
     <a:masterClrMapping/>
@@ -2592,13 +2292,7 @@
       </p:grpSpPr>
       <p:sp>
         <p:nvSpPr>
-          <p:cNvPr id="2" name="Title 1">
-            <a:extLst>
-              <a:ext uri="{FF2B5EF4-FFF2-40B4-BE49-F238E27FC236}">
-                <a16:creationId xmlns:a16="http://schemas.microsoft.com/office/drawing/2014/main" id="{39F1633E-E5DF-684F-8E02-ED4107870D73}"/>
-              </a:ext>
-            </a:extLst>
-          </p:cNvPr>
+          <p:cNvPr id="2" name="Title 1"/>
           <p:cNvSpPr>
             <a:spLocks noGrp="1"/>
           </p:cNvSpPr>
@@ -2624,18 +2318,13 @@
               <a:rPr lang="en-US"/>
               <a:t>Click to edit Master title style</a:t>
             </a:r>
-          </a:p>
-        </p:txBody>
-      </p:sp>
-      <p:sp>
-        <p:nvSpPr>
-          <p:cNvPr id="3" name="Content Placeholder 2">
-            <a:extLst>
-              <a:ext uri="{FF2B5EF4-FFF2-40B4-BE49-F238E27FC236}">
-                <a16:creationId xmlns:a16="http://schemas.microsoft.com/office/drawing/2014/main" id="{1DED8CC0-4EA5-7F4A-B354-F789E4DF2AB1}"/>
-              </a:ext>
-            </a:extLst>
-          </p:cNvPr>
+            <a:endParaRPr lang="en-US"/>
+          </a:p>
+        </p:txBody>
+      </p:sp>
+      <p:sp>
+        <p:nvSpPr>
+          <p:cNvPr id="3" name="Content Placeholder 2"/>
           <p:cNvSpPr>
             <a:spLocks noGrp="1"/>
           </p:cNvSpPr>
@@ -2686,6 +2375,7 @@
               <a:rPr lang="en-US"/>
               <a:t>Click to edit Master text styles</a:t>
             </a:r>
+            <a:endParaRPr lang="en-US"/>
           </a:p>
           <a:p>
             <a:pPr lvl="1"/>
@@ -2693,6 +2383,7 @@
               <a:rPr lang="en-US"/>
               <a:t>Second level</a:t>
             </a:r>
+            <a:endParaRPr lang="en-US"/>
           </a:p>
           <a:p>
             <a:pPr lvl="2"/>
@@ -2700,6 +2391,7 @@
               <a:rPr lang="en-US"/>
               <a:t>Third level</a:t>
             </a:r>
+            <a:endParaRPr lang="en-US"/>
           </a:p>
           <a:p>
             <a:pPr lvl="3"/>
@@ -2707,6 +2399,7 @@
               <a:rPr lang="en-US"/>
               <a:t>Fourth level</a:t>
             </a:r>
+            <a:endParaRPr lang="en-US"/>
           </a:p>
           <a:p>
             <a:pPr lvl="4"/>
@@ -2714,18 +2407,13 @@
               <a:rPr lang="en-US"/>
               <a:t>Fifth level</a:t>
             </a:r>
-          </a:p>
-        </p:txBody>
-      </p:sp>
-      <p:sp>
-        <p:nvSpPr>
-          <p:cNvPr id="4" name="Text Placeholder 3">
-            <a:extLst>
-              <a:ext uri="{FF2B5EF4-FFF2-40B4-BE49-F238E27FC236}">
-                <a16:creationId xmlns:a16="http://schemas.microsoft.com/office/drawing/2014/main" id="{381F7A40-E159-834F-A2BB-090CA0E90183}"/>
-              </a:ext>
-            </a:extLst>
-          </p:cNvPr>
+            <a:endParaRPr lang="en-US"/>
+          </a:p>
+        </p:txBody>
+      </p:sp>
+      <p:sp>
+        <p:nvSpPr>
+          <p:cNvPr id="4" name="Text Placeholder 3"/>
           <p:cNvSpPr>
             <a:spLocks noGrp="1"/>
           </p:cNvSpPr>
@@ -2785,18 +2473,13 @@
               <a:rPr lang="en-US"/>
               <a:t>Click to edit Master text styles</a:t>
             </a:r>
-          </a:p>
-        </p:txBody>
-      </p:sp>
-      <p:sp>
-        <p:nvSpPr>
-          <p:cNvPr id="5" name="Date Placeholder 4">
-            <a:extLst>
-              <a:ext uri="{FF2B5EF4-FFF2-40B4-BE49-F238E27FC236}">
-                <a16:creationId xmlns:a16="http://schemas.microsoft.com/office/drawing/2014/main" id="{9912BECA-5195-D044-83A2-A444CFB476B8}"/>
-              </a:ext>
-            </a:extLst>
-          </p:cNvPr>
+            <a:endParaRPr lang="en-US"/>
+          </a:p>
+        </p:txBody>
+      </p:sp>
+      <p:sp>
+        <p:nvSpPr>
+          <p:cNvPr id="5" name="Date Placeholder 4"/>
           <p:cNvSpPr>
             <a:spLocks noGrp="1"/>
           </p:cNvSpPr>
@@ -2811,7 +2494,6 @@
           <a:p>
             <a:fld id="{FABEAB63-0147-A740-B4E8-C1F89E010660}" type="datetimeFigureOut">
               <a:rPr lang="en-US" smtClean="0"/>
-              <a:t>5/10/21</a:t>
             </a:fld>
             <a:endParaRPr lang="en-US"/>
           </a:p>
@@ -2819,13 +2501,7 @@
       </p:sp>
       <p:sp>
         <p:nvSpPr>
-          <p:cNvPr id="6" name="Footer Placeholder 5">
-            <a:extLst>
-              <a:ext uri="{FF2B5EF4-FFF2-40B4-BE49-F238E27FC236}">
-                <a16:creationId xmlns:a16="http://schemas.microsoft.com/office/drawing/2014/main" id="{B7313CAD-02E4-6440-9C6F-8FA4B4E61846}"/>
-              </a:ext>
-            </a:extLst>
-          </p:cNvPr>
+          <p:cNvPr id="6" name="Footer Placeholder 5"/>
           <p:cNvSpPr>
             <a:spLocks noGrp="1"/>
           </p:cNvSpPr>
@@ -2844,13 +2520,7 @@
       </p:sp>
       <p:sp>
         <p:nvSpPr>
-          <p:cNvPr id="7" name="Slide Number Placeholder 6">
-            <a:extLst>
-              <a:ext uri="{FF2B5EF4-FFF2-40B4-BE49-F238E27FC236}">
-                <a16:creationId xmlns:a16="http://schemas.microsoft.com/office/drawing/2014/main" id="{FC9101E5-A13C-0C49-8BAE-11CAD6E9A586}"/>
-              </a:ext>
-            </a:extLst>
-          </p:cNvPr>
+          <p:cNvPr id="7" name="Slide Number Placeholder 6"/>
           <p:cNvSpPr>
             <a:spLocks noGrp="1"/>
           </p:cNvSpPr>
@@ -2865,18 +2535,12 @@
           <a:p>
             <a:fld id="{3FB47A9C-BF25-8A42-BC9F-4426EEF70547}" type="slidenum">
               <a:rPr lang="en-US" smtClean="0"/>
-              <a:t>‹#›</a:t>
             </a:fld>
             <a:endParaRPr lang="en-US"/>
           </a:p>
         </p:txBody>
       </p:sp>
     </p:spTree>
-    <p:extLst>
-      <p:ext uri="{BB962C8B-B14F-4D97-AF65-F5344CB8AC3E}">
-        <p14:creationId xmlns:p14="http://schemas.microsoft.com/office/powerpoint/2010/main" val="125508595"/>
-      </p:ext>
-    </p:extLst>
   </p:cSld>
   <p:clrMapOvr>
     <a:masterClrMapping/>
@@ -2903,13 +2567,7 @@
       </p:grpSpPr>
       <p:sp>
         <p:nvSpPr>
-          <p:cNvPr id="2" name="Title 1">
-            <a:extLst>
-              <a:ext uri="{FF2B5EF4-FFF2-40B4-BE49-F238E27FC236}">
-                <a16:creationId xmlns:a16="http://schemas.microsoft.com/office/drawing/2014/main" id="{3048502E-B686-B14D-9072-22F6B12F179D}"/>
-              </a:ext>
-            </a:extLst>
-          </p:cNvPr>
+          <p:cNvPr id="2" name="Title 1"/>
           <p:cNvSpPr>
             <a:spLocks noGrp="1"/>
           </p:cNvSpPr>
@@ -2935,18 +2593,13 @@
               <a:rPr lang="en-US"/>
               <a:t>Click to edit Master title style</a:t>
             </a:r>
-          </a:p>
-        </p:txBody>
-      </p:sp>
-      <p:sp>
-        <p:nvSpPr>
-          <p:cNvPr id="3" name="Picture Placeholder 2">
-            <a:extLst>
-              <a:ext uri="{FF2B5EF4-FFF2-40B4-BE49-F238E27FC236}">
-                <a16:creationId xmlns:a16="http://schemas.microsoft.com/office/drawing/2014/main" id="{2E8094F7-DC82-4440-BC0C-732554544463}"/>
-              </a:ext>
-            </a:extLst>
-          </p:cNvPr>
+            <a:endParaRPr lang="en-US"/>
+          </a:p>
+        </p:txBody>
+      </p:sp>
+      <p:sp>
+        <p:nvSpPr>
+          <p:cNvPr id="3" name="Picture Placeholder 2"/>
           <p:cNvSpPr>
             <a:spLocks noGrp="1"/>
           </p:cNvSpPr>
@@ -3007,13 +2660,7 @@
       </p:sp>
       <p:sp>
         <p:nvSpPr>
-          <p:cNvPr id="4" name="Text Placeholder 3">
-            <a:extLst>
-              <a:ext uri="{FF2B5EF4-FFF2-40B4-BE49-F238E27FC236}">
-                <a16:creationId xmlns:a16="http://schemas.microsoft.com/office/drawing/2014/main" id="{679E5BF7-FEEC-AB4B-8DBC-9239979609AF}"/>
-              </a:ext>
-            </a:extLst>
-          </p:cNvPr>
+          <p:cNvPr id="4" name="Text Placeholder 3"/>
           <p:cNvSpPr>
             <a:spLocks noGrp="1"/>
           </p:cNvSpPr>
@@ -3073,18 +2720,13 @@
               <a:rPr lang="en-US"/>
               <a:t>Click to edit Master text styles</a:t>
             </a:r>
-          </a:p>
-        </p:txBody>
-      </p:sp>
-      <p:sp>
-        <p:nvSpPr>
-          <p:cNvPr id="5" name="Date Placeholder 4">
-            <a:extLst>
-              <a:ext uri="{FF2B5EF4-FFF2-40B4-BE49-F238E27FC236}">
-                <a16:creationId xmlns:a16="http://schemas.microsoft.com/office/drawing/2014/main" id="{1D164099-C6CE-5443-9768-818EADADD883}"/>
-              </a:ext>
-            </a:extLst>
-          </p:cNvPr>
+            <a:endParaRPr lang="en-US"/>
+          </a:p>
+        </p:txBody>
+      </p:sp>
+      <p:sp>
+        <p:nvSpPr>
+          <p:cNvPr id="5" name="Date Placeholder 4"/>
           <p:cNvSpPr>
             <a:spLocks noGrp="1"/>
           </p:cNvSpPr>
@@ -3099,7 +2741,6 @@
           <a:p>
             <a:fld id="{FABEAB63-0147-A740-B4E8-C1F89E010660}" type="datetimeFigureOut">
               <a:rPr lang="en-US" smtClean="0"/>
-              <a:t>5/10/21</a:t>
             </a:fld>
             <a:endParaRPr lang="en-US"/>
           </a:p>
@@ -3107,13 +2748,7 @@
       </p:sp>
       <p:sp>
         <p:nvSpPr>
-          <p:cNvPr id="6" name="Footer Placeholder 5">
-            <a:extLst>
-              <a:ext uri="{FF2B5EF4-FFF2-40B4-BE49-F238E27FC236}">
-                <a16:creationId xmlns:a16="http://schemas.microsoft.com/office/drawing/2014/main" id="{A6F435E2-6E0C-7448-816F-E4A2120F179C}"/>
-              </a:ext>
-            </a:extLst>
-          </p:cNvPr>
+          <p:cNvPr id="6" name="Footer Placeholder 5"/>
           <p:cNvSpPr>
             <a:spLocks noGrp="1"/>
           </p:cNvSpPr>
@@ -3132,13 +2767,7 @@
       </p:sp>
       <p:sp>
         <p:nvSpPr>
-          <p:cNvPr id="7" name="Slide Number Placeholder 6">
-            <a:extLst>
-              <a:ext uri="{FF2B5EF4-FFF2-40B4-BE49-F238E27FC236}">
-                <a16:creationId xmlns:a16="http://schemas.microsoft.com/office/drawing/2014/main" id="{63A57CEE-D7A9-CF4D-87D2-A4D6D528AE8C}"/>
-              </a:ext>
-            </a:extLst>
-          </p:cNvPr>
+          <p:cNvPr id="7" name="Slide Number Placeholder 6"/>
           <p:cNvSpPr>
             <a:spLocks noGrp="1"/>
           </p:cNvSpPr>
@@ -3153,18 +2782,12 @@
           <a:p>
             <a:fld id="{3FB47A9C-BF25-8A42-BC9F-4426EEF70547}" type="slidenum">
               <a:rPr lang="en-US" smtClean="0"/>
-              <a:t>‹#›</a:t>
             </a:fld>
             <a:endParaRPr lang="en-US"/>
           </a:p>
         </p:txBody>
       </p:sp>
     </p:spTree>
-    <p:extLst>
-      <p:ext uri="{BB962C8B-B14F-4D97-AF65-F5344CB8AC3E}">
-        <p14:creationId xmlns:p14="http://schemas.microsoft.com/office/powerpoint/2010/main" val="2781019921"/>
-      </p:ext>
-    </p:extLst>
   </p:cSld>
   <p:clrMapOvr>
     <a:masterClrMapping/>
@@ -3196,13 +2819,7 @@
       </p:grpSpPr>
       <p:sp>
         <p:nvSpPr>
-          <p:cNvPr id="2" name="Title Placeholder 1">
-            <a:extLst>
-              <a:ext uri="{FF2B5EF4-FFF2-40B4-BE49-F238E27FC236}">
-                <a16:creationId xmlns:a16="http://schemas.microsoft.com/office/drawing/2014/main" id="{9FA92EB7-7508-AE4C-B541-B846FC2DBAEB}"/>
-              </a:ext>
-            </a:extLst>
-          </p:cNvPr>
+          <p:cNvPr id="2" name="Title Placeholder 1"/>
           <p:cNvSpPr>
             <a:spLocks noGrp="1"/>
           </p:cNvSpPr>
@@ -3229,18 +2846,13 @@
               <a:rPr lang="en-US"/>
               <a:t>Click to edit Master title style</a:t>
             </a:r>
-          </a:p>
-        </p:txBody>
-      </p:sp>
-      <p:sp>
-        <p:nvSpPr>
-          <p:cNvPr id="3" name="Text Placeholder 2">
-            <a:extLst>
-              <a:ext uri="{FF2B5EF4-FFF2-40B4-BE49-F238E27FC236}">
-                <a16:creationId xmlns:a16="http://schemas.microsoft.com/office/drawing/2014/main" id="{5B006E79-0C87-A341-94EB-775079CDA29D}"/>
-              </a:ext>
-            </a:extLst>
-          </p:cNvPr>
+            <a:endParaRPr lang="en-US"/>
+          </a:p>
+        </p:txBody>
+      </p:sp>
+      <p:sp>
+        <p:nvSpPr>
+          <p:cNvPr id="3" name="Text Placeholder 2"/>
           <p:cNvSpPr>
             <a:spLocks noGrp="1"/>
           </p:cNvSpPr>
@@ -3268,6 +2880,7 @@
               <a:rPr lang="en-US"/>
               <a:t>Click to edit Master text styles</a:t>
             </a:r>
+            <a:endParaRPr lang="en-US"/>
           </a:p>
           <a:p>
             <a:pPr lvl="1"/>
@@ -3275,6 +2888,7 @@
               <a:rPr lang="en-US"/>
               <a:t>Second level</a:t>
             </a:r>
+            <a:endParaRPr lang="en-US"/>
           </a:p>
           <a:p>
             <a:pPr lvl="2"/>
@@ -3282,6 +2896,7 @@
               <a:rPr lang="en-US"/>
               <a:t>Third level</a:t>
             </a:r>
+            <a:endParaRPr lang="en-US"/>
           </a:p>
           <a:p>
             <a:pPr lvl="3"/>
@@ -3289,6 +2904,7 @@
               <a:rPr lang="en-US"/>
               <a:t>Fourth level</a:t>
             </a:r>
+            <a:endParaRPr lang="en-US"/>
           </a:p>
           <a:p>
             <a:pPr lvl="4"/>
@@ -3296,18 +2912,13 @@
               <a:rPr lang="en-US"/>
               <a:t>Fifth level</a:t>
             </a:r>
-          </a:p>
-        </p:txBody>
-      </p:sp>
-      <p:sp>
-        <p:nvSpPr>
-          <p:cNvPr id="4" name="Date Placeholder 3">
-            <a:extLst>
-              <a:ext uri="{FF2B5EF4-FFF2-40B4-BE49-F238E27FC236}">
-                <a16:creationId xmlns:a16="http://schemas.microsoft.com/office/drawing/2014/main" id="{69701BDE-3CA1-5740-9F4C-C9A055A6DDCA}"/>
-              </a:ext>
-            </a:extLst>
-          </p:cNvPr>
+            <a:endParaRPr lang="en-US"/>
+          </a:p>
+        </p:txBody>
+      </p:sp>
+      <p:sp>
+        <p:nvSpPr>
+          <p:cNvPr id="4" name="Date Placeholder 3"/>
           <p:cNvSpPr>
             <a:spLocks noGrp="1"/>
           </p:cNvSpPr>
@@ -3340,7 +2951,6 @@
           <a:p>
             <a:fld id="{FABEAB63-0147-A740-B4E8-C1F89E010660}" type="datetimeFigureOut">
               <a:rPr lang="en-US" smtClean="0"/>
-              <a:t>5/10/21</a:t>
             </a:fld>
             <a:endParaRPr lang="en-US"/>
           </a:p>
@@ -3348,13 +2958,7 @@
       </p:sp>
       <p:sp>
         <p:nvSpPr>
-          <p:cNvPr id="5" name="Footer Placeholder 4">
-            <a:extLst>
-              <a:ext uri="{FF2B5EF4-FFF2-40B4-BE49-F238E27FC236}">
-                <a16:creationId xmlns:a16="http://schemas.microsoft.com/office/drawing/2014/main" id="{D8434299-82E9-674D-A976-9C788D56F641}"/>
-              </a:ext>
-            </a:extLst>
-          </p:cNvPr>
+          <p:cNvPr id="5" name="Footer Placeholder 4"/>
           <p:cNvSpPr>
             <a:spLocks noGrp="1"/>
           </p:cNvSpPr>
@@ -3391,13 +2995,7 @@
       </p:sp>
       <p:sp>
         <p:nvSpPr>
-          <p:cNvPr id="6" name="Slide Number Placeholder 5">
-            <a:extLst>
-              <a:ext uri="{FF2B5EF4-FFF2-40B4-BE49-F238E27FC236}">
-                <a16:creationId xmlns:a16="http://schemas.microsoft.com/office/drawing/2014/main" id="{71EFF83A-5E82-5246-94DA-F57344683D8D}"/>
-              </a:ext>
-            </a:extLst>
-          </p:cNvPr>
+          <p:cNvPr id="6" name="Slide Number Placeholder 5"/>
           <p:cNvSpPr>
             <a:spLocks noGrp="1"/>
           </p:cNvSpPr>
@@ -3430,18 +3028,12 @@
           <a:p>
             <a:fld id="{3FB47A9C-BF25-8A42-BC9F-4426EEF70547}" type="slidenum">
               <a:rPr lang="en-US" smtClean="0"/>
-              <a:t>‹#›</a:t>
             </a:fld>
             <a:endParaRPr lang="en-US"/>
           </a:p>
         </p:txBody>
       </p:sp>
     </p:spTree>
-    <p:extLst>
-      <p:ext uri="{BB962C8B-B14F-4D97-AF65-F5344CB8AC3E}">
-        <p14:creationId xmlns:p14="http://schemas.microsoft.com/office/powerpoint/2010/main" val="1293189310"/>
-      </p:ext>
-    </p:extLst>
   </p:cSld>
   <p:clrMap bg1="lt1" tx1="dk1" bg2="lt2" tx2="dk2" accent1="accent1" accent2="accent2" accent3="accent3" accent4="accent4" accent5="accent5" accent6="accent6" hlink="hlink" folHlink="folHlink"/>
   <p:sldLayoutIdLst>
@@ -3485,7 +3077,7 @@
         <a:spcBef>
           <a:spcPts val="1000"/>
         </a:spcBef>
-        <a:buFont typeface="Arial" panose="020B0604020202020204" pitchFamily="34" charset="0"/>
+        <a:buFont typeface="Arial" panose="020B0604020202090204" pitchFamily="34" charset="0"/>
         <a:buChar char="•"/>
         <a:defRPr sz="2800" kern="1200">
           <a:solidFill>
@@ -3503,7 +3095,7 @@
         <a:spcBef>
           <a:spcPts val="500"/>
         </a:spcBef>
-        <a:buFont typeface="Arial" panose="020B0604020202020204" pitchFamily="34" charset="0"/>
+        <a:buFont typeface="Arial" panose="020B0604020202090204" pitchFamily="34" charset="0"/>
         <a:buChar char="•"/>
         <a:defRPr sz="2400" kern="1200">
           <a:solidFill>
@@ -3521,7 +3113,7 @@
         <a:spcBef>
           <a:spcPts val="500"/>
         </a:spcBef>
-        <a:buFont typeface="Arial" panose="020B0604020202020204" pitchFamily="34" charset="0"/>
+        <a:buFont typeface="Arial" panose="020B0604020202090204" pitchFamily="34" charset="0"/>
         <a:buChar char="•"/>
         <a:defRPr sz="2000" kern="1200">
           <a:solidFill>
@@ -3539,7 +3131,7 @@
         <a:spcBef>
           <a:spcPts val="500"/>
         </a:spcBef>
-        <a:buFont typeface="Arial" panose="020B0604020202020204" pitchFamily="34" charset="0"/>
+        <a:buFont typeface="Arial" panose="020B0604020202090204" pitchFamily="34" charset="0"/>
         <a:buChar char="•"/>
         <a:defRPr sz="1800" kern="1200">
           <a:solidFill>
@@ -3557,7 +3149,7 @@
         <a:spcBef>
           <a:spcPts val="500"/>
         </a:spcBef>
-        <a:buFont typeface="Arial" panose="020B0604020202020204" pitchFamily="34" charset="0"/>
+        <a:buFont typeface="Arial" panose="020B0604020202090204" pitchFamily="34" charset="0"/>
         <a:buChar char="•"/>
         <a:defRPr sz="1800" kern="1200">
           <a:solidFill>
@@ -3575,7 +3167,7 @@
         <a:spcBef>
           <a:spcPts val="500"/>
         </a:spcBef>
-        <a:buFont typeface="Arial" panose="020B0604020202020204" pitchFamily="34" charset="0"/>
+        <a:buFont typeface="Arial" panose="020B0604020202090204" pitchFamily="34" charset="0"/>
         <a:buChar char="•"/>
         <a:defRPr sz="1800" kern="1200">
           <a:solidFill>
@@ -3593,7 +3185,7 @@
         <a:spcBef>
           <a:spcPts val="500"/>
         </a:spcBef>
-        <a:buFont typeface="Arial" panose="020B0604020202020204" pitchFamily="34" charset="0"/>
+        <a:buFont typeface="Arial" panose="020B0604020202090204" pitchFamily="34" charset="0"/>
         <a:buChar char="•"/>
         <a:defRPr sz="1800" kern="1200">
           <a:solidFill>
@@ -3611,7 +3203,7 @@
         <a:spcBef>
           <a:spcPts val="500"/>
         </a:spcBef>
-        <a:buFont typeface="Arial" panose="020B0604020202020204" pitchFamily="34" charset="0"/>
+        <a:buFont typeface="Arial" panose="020B0604020202090204" pitchFamily="34" charset="0"/>
         <a:buChar char="•"/>
         <a:defRPr sz="1800" kern="1200">
           <a:solidFill>
@@ -3629,7 +3221,7 @@
         <a:spcBef>
           <a:spcPts val="500"/>
         </a:spcBef>
-        <a:buFont typeface="Arial" panose="020B0604020202020204" pitchFamily="34" charset="0"/>
+        <a:buFont typeface="Arial" panose="020B0604020202090204" pitchFamily="34" charset="0"/>
         <a:buChar char="•"/>
         <a:defRPr sz="1800" kern="1200">
           <a:solidFill>
@@ -3759,13 +3351,7 @@
       </p:grpSpPr>
       <p:grpSp>
         <p:nvGrpSpPr>
-          <p:cNvPr id="25" name="Group 24">
-            <a:extLst>
-              <a:ext uri="{FF2B5EF4-FFF2-40B4-BE49-F238E27FC236}">
-                <a16:creationId xmlns:a16="http://schemas.microsoft.com/office/drawing/2014/main" id="{45C877AA-C4A6-BE48-8BC6-E452419156DA}"/>
-              </a:ext>
-            </a:extLst>
-          </p:cNvPr>
+          <p:cNvPr id="25" name="Group 24"/>
           <p:cNvGrpSpPr/>
           <p:nvPr/>
         </p:nvGrpSpPr>
@@ -3779,13 +3365,7 @@
         </p:grpSpPr>
         <p:grpSp>
           <p:nvGrpSpPr>
-            <p:cNvPr id="24" name="Group 23">
-              <a:extLst>
-                <a:ext uri="{FF2B5EF4-FFF2-40B4-BE49-F238E27FC236}">
-                  <a16:creationId xmlns:a16="http://schemas.microsoft.com/office/drawing/2014/main" id="{D6477CB4-D306-744B-B428-B639DE9AF026}"/>
-                </a:ext>
-              </a:extLst>
-            </p:cNvPr>
+            <p:cNvPr id="24" name="Group 23"/>
             <p:cNvGrpSpPr/>
             <p:nvPr/>
           </p:nvGrpSpPr>
@@ -3799,13 +3379,7 @@
           </p:grpSpPr>
           <p:grpSp>
             <p:nvGrpSpPr>
-              <p:cNvPr id="9" name="Group 8">
-                <a:extLst>
-                  <a:ext uri="{FF2B5EF4-FFF2-40B4-BE49-F238E27FC236}">
-                    <a16:creationId xmlns:a16="http://schemas.microsoft.com/office/drawing/2014/main" id="{D77A3D2F-F4A5-9048-8729-DBCAD5BBEAD6}"/>
-                  </a:ext>
-                </a:extLst>
-              </p:cNvPr>
+              <p:cNvPr id="9" name="Group 8"/>
               <p:cNvGrpSpPr/>
               <p:nvPr/>
             </p:nvGrpSpPr>
@@ -3819,13 +3393,7 @@
             </p:grpSpPr>
             <p:sp>
               <p:nvSpPr>
-                <p:cNvPr id="5" name="Freeform 4">
-                  <a:extLst>
-                    <a:ext uri="{FF2B5EF4-FFF2-40B4-BE49-F238E27FC236}">
-                      <a16:creationId xmlns:a16="http://schemas.microsoft.com/office/drawing/2014/main" id="{2638D863-8B63-1148-9447-C794508B3BC6}"/>
-                    </a:ext>
-                  </a:extLst>
-                </p:cNvPr>
+                <p:cNvPr id="5" name="Freeform 4"/>
                 <p:cNvSpPr/>
                 <p:nvPr/>
               </p:nvSpPr>
@@ -3920,13 +3488,7 @@
             </p:sp>
             <p:sp>
               <p:nvSpPr>
-                <p:cNvPr id="6" name="Freeform 5">
-                  <a:extLst>
-                    <a:ext uri="{FF2B5EF4-FFF2-40B4-BE49-F238E27FC236}">
-                      <a16:creationId xmlns:a16="http://schemas.microsoft.com/office/drawing/2014/main" id="{841D2762-351C-DE47-BE24-8124A51BE4A5}"/>
-                    </a:ext>
-                  </a:extLst>
-                </p:cNvPr>
+                <p:cNvPr id="6" name="Freeform 5"/>
                 <p:cNvSpPr/>
                 <p:nvPr/>
               </p:nvSpPr>
@@ -3950,182 +3512,182 @@
                     <a:gd name="connsiteY4" fmla="*/ 12731 h 734625"/>
                     <a:gd name="connsiteX5" fmla="*/ 4803006 w 4803006"/>
                     <a:gd name="connsiteY5" fmla="*/ 542120 h 734625"/>
-                    <a:gd name="connsiteX0" fmla="*/ 0 w 4421058"/>
-                    <a:gd name="connsiteY0" fmla="*/ 734625 h 734625"/>
-                    <a:gd name="connsiteX1" fmla="*/ 1482291 w 4421058"/>
-                    <a:gd name="connsiteY1" fmla="*/ 676874 h 734625"/>
-                    <a:gd name="connsiteX2" fmla="*/ 2319689 w 4421058"/>
-                    <a:gd name="connsiteY2" fmla="*/ 426617 h 734625"/>
-                    <a:gd name="connsiteX3" fmla="*/ 2839453 w 4421058"/>
-                    <a:gd name="connsiteY3" fmla="*/ 185985 h 734625"/>
-                    <a:gd name="connsiteX4" fmla="*/ 4004110 w 4421058"/>
-                    <a:gd name="connsiteY4" fmla="*/ 12731 h 734625"/>
-                    <a:gd name="connsiteX5" fmla="*/ 4421058 w 4421058"/>
-                    <a:gd name="connsiteY5" fmla="*/ 311113 h 734625"/>
-                    <a:gd name="connsiteX0" fmla="*/ 0 w 4421058"/>
-                    <a:gd name="connsiteY0" fmla="*/ 671854 h 671854"/>
-                    <a:gd name="connsiteX1" fmla="*/ 1482291 w 4421058"/>
-                    <a:gd name="connsiteY1" fmla="*/ 614103 h 671854"/>
-                    <a:gd name="connsiteX2" fmla="*/ 2319689 w 4421058"/>
-                    <a:gd name="connsiteY2" fmla="*/ 363846 h 671854"/>
-                    <a:gd name="connsiteX3" fmla="*/ 2839453 w 4421058"/>
-                    <a:gd name="connsiteY3" fmla="*/ 123214 h 671854"/>
-                    <a:gd name="connsiteX4" fmla="*/ 3412089 w 4421058"/>
-                    <a:gd name="connsiteY4" fmla="*/ 17336 h 671854"/>
-                    <a:gd name="connsiteX5" fmla="*/ 4421058 w 4421058"/>
-                    <a:gd name="connsiteY5" fmla="*/ 248342 h 671854"/>
-                    <a:gd name="connsiteX0" fmla="*/ 0 w 4421058"/>
-                    <a:gd name="connsiteY0" fmla="*/ 654518 h 654518"/>
-                    <a:gd name="connsiteX1" fmla="*/ 1482291 w 4421058"/>
-                    <a:gd name="connsiteY1" fmla="*/ 596767 h 654518"/>
-                    <a:gd name="connsiteX2" fmla="*/ 2319689 w 4421058"/>
-                    <a:gd name="connsiteY2" fmla="*/ 346510 h 654518"/>
-                    <a:gd name="connsiteX3" fmla="*/ 2839453 w 4421058"/>
-                    <a:gd name="connsiteY3" fmla="*/ 105878 h 654518"/>
-                    <a:gd name="connsiteX4" fmla="*/ 3412089 w 4421058"/>
-                    <a:gd name="connsiteY4" fmla="*/ 0 h 654518"/>
-                    <a:gd name="connsiteX5" fmla="*/ 4421058 w 4421058"/>
-                    <a:gd name="connsiteY5" fmla="*/ 231006 h 654518"/>
-                    <a:gd name="connsiteX0" fmla="*/ 0 w 4421058"/>
-                    <a:gd name="connsiteY0" fmla="*/ 654555 h 654555"/>
-                    <a:gd name="connsiteX1" fmla="*/ 1482291 w 4421058"/>
-                    <a:gd name="connsiteY1" fmla="*/ 596804 h 654555"/>
-                    <a:gd name="connsiteX2" fmla="*/ 2319689 w 4421058"/>
-                    <a:gd name="connsiteY2" fmla="*/ 346547 h 654555"/>
-                    <a:gd name="connsiteX3" fmla="*/ 2839453 w 4421058"/>
-                    <a:gd name="connsiteY3" fmla="*/ 105915 h 654555"/>
-                    <a:gd name="connsiteX4" fmla="*/ 3412089 w 4421058"/>
-                    <a:gd name="connsiteY4" fmla="*/ 37 h 654555"/>
-                    <a:gd name="connsiteX5" fmla="*/ 4421058 w 4421058"/>
-                    <a:gd name="connsiteY5" fmla="*/ 231043 h 654555"/>
-                    <a:gd name="connsiteX0" fmla="*/ 0 w 3762196"/>
-                    <a:gd name="connsiteY0" fmla="*/ 676584 h 676584"/>
-                    <a:gd name="connsiteX1" fmla="*/ 1482291 w 3762196"/>
-                    <a:gd name="connsiteY1" fmla="*/ 618833 h 676584"/>
-                    <a:gd name="connsiteX2" fmla="*/ 2319689 w 3762196"/>
-                    <a:gd name="connsiteY2" fmla="*/ 368576 h 676584"/>
-                    <a:gd name="connsiteX3" fmla="*/ 2839453 w 3762196"/>
-                    <a:gd name="connsiteY3" fmla="*/ 127944 h 676584"/>
-                    <a:gd name="connsiteX4" fmla="*/ 3412089 w 3762196"/>
-                    <a:gd name="connsiteY4" fmla="*/ 22066 h 676584"/>
-                    <a:gd name="connsiteX5" fmla="*/ 3762196 w 3762196"/>
-                    <a:gd name="connsiteY5" fmla="*/ 118318 h 676584"/>
-                    <a:gd name="connsiteX0" fmla="*/ 0 w 3762196"/>
-                    <a:gd name="connsiteY0" fmla="*/ 654556 h 654556"/>
-                    <a:gd name="connsiteX1" fmla="*/ 1482291 w 3762196"/>
-                    <a:gd name="connsiteY1" fmla="*/ 596805 h 654556"/>
-                    <a:gd name="connsiteX2" fmla="*/ 2319689 w 3762196"/>
-                    <a:gd name="connsiteY2" fmla="*/ 346548 h 654556"/>
-                    <a:gd name="connsiteX3" fmla="*/ 2839453 w 3762196"/>
-                    <a:gd name="connsiteY3" fmla="*/ 105916 h 654556"/>
-                    <a:gd name="connsiteX4" fmla="*/ 3412089 w 3762196"/>
-                    <a:gd name="connsiteY4" fmla="*/ 38 h 654556"/>
-                    <a:gd name="connsiteX5" fmla="*/ 3762196 w 3762196"/>
-                    <a:gd name="connsiteY5" fmla="*/ 96290 h 654556"/>
-                    <a:gd name="connsiteX0" fmla="*/ 0 w 3762196"/>
-                    <a:gd name="connsiteY0" fmla="*/ 654556 h 654556"/>
-                    <a:gd name="connsiteX1" fmla="*/ 1482291 w 3762196"/>
-                    <a:gd name="connsiteY1" fmla="*/ 596805 h 654556"/>
-                    <a:gd name="connsiteX2" fmla="*/ 2319689 w 3762196"/>
-                    <a:gd name="connsiteY2" fmla="*/ 346548 h 654556"/>
-                    <a:gd name="connsiteX3" fmla="*/ 2839453 w 3762196"/>
-                    <a:gd name="connsiteY3" fmla="*/ 105916 h 654556"/>
-                    <a:gd name="connsiteX4" fmla="*/ 3412089 w 3762196"/>
-                    <a:gd name="connsiteY4" fmla="*/ 38 h 654556"/>
-                    <a:gd name="connsiteX5" fmla="*/ 3762196 w 3762196"/>
-                    <a:gd name="connsiteY5" fmla="*/ 96290 h 654556"/>
-                    <a:gd name="connsiteX0" fmla="*/ 0 w 3809940"/>
-                    <a:gd name="connsiteY0" fmla="*/ 654556 h 654556"/>
-                    <a:gd name="connsiteX1" fmla="*/ 1482291 w 3809940"/>
-                    <a:gd name="connsiteY1" fmla="*/ 596805 h 654556"/>
-                    <a:gd name="connsiteX2" fmla="*/ 2319689 w 3809940"/>
-                    <a:gd name="connsiteY2" fmla="*/ 346548 h 654556"/>
-                    <a:gd name="connsiteX3" fmla="*/ 2839453 w 3809940"/>
-                    <a:gd name="connsiteY3" fmla="*/ 105916 h 654556"/>
-                    <a:gd name="connsiteX4" fmla="*/ 3412089 w 3809940"/>
-                    <a:gd name="connsiteY4" fmla="*/ 38 h 654556"/>
-                    <a:gd name="connsiteX5" fmla="*/ 3809940 w 3809940"/>
-                    <a:gd name="connsiteY5" fmla="*/ 105915 h 654556"/>
-                    <a:gd name="connsiteX0" fmla="*/ 0 w 3809940"/>
-                    <a:gd name="connsiteY0" fmla="*/ 644937 h 644937"/>
-                    <a:gd name="connsiteX1" fmla="*/ 1482291 w 3809940"/>
-                    <a:gd name="connsiteY1" fmla="*/ 587186 h 644937"/>
-                    <a:gd name="connsiteX2" fmla="*/ 2319689 w 3809940"/>
-                    <a:gd name="connsiteY2" fmla="*/ 336929 h 644937"/>
-                    <a:gd name="connsiteX3" fmla="*/ 2839453 w 3809940"/>
-                    <a:gd name="connsiteY3" fmla="*/ 96297 h 644937"/>
-                    <a:gd name="connsiteX4" fmla="*/ 3192469 w 3809940"/>
-                    <a:gd name="connsiteY4" fmla="*/ 45 h 644937"/>
-                    <a:gd name="connsiteX5" fmla="*/ 3809940 w 3809940"/>
-                    <a:gd name="connsiteY5" fmla="*/ 96296 h 644937"/>
-                    <a:gd name="connsiteX0" fmla="*/ 0 w 3809940"/>
-                    <a:gd name="connsiteY0" fmla="*/ 644892 h 644892"/>
-                    <a:gd name="connsiteX1" fmla="*/ 1482291 w 3809940"/>
-                    <a:gd name="connsiteY1" fmla="*/ 587141 h 644892"/>
-                    <a:gd name="connsiteX2" fmla="*/ 2319689 w 3809940"/>
-                    <a:gd name="connsiteY2" fmla="*/ 336884 h 644892"/>
-                    <a:gd name="connsiteX3" fmla="*/ 2839453 w 3809940"/>
-                    <a:gd name="connsiteY3" fmla="*/ 96252 h 644892"/>
-                    <a:gd name="connsiteX4" fmla="*/ 3192469 w 3809940"/>
-                    <a:gd name="connsiteY4" fmla="*/ 0 h 644892"/>
-                    <a:gd name="connsiteX5" fmla="*/ 3809940 w 3809940"/>
-                    <a:gd name="connsiteY5" fmla="*/ 96251 h 644892"/>
-                    <a:gd name="connsiteX0" fmla="*/ 0 w 3809940"/>
-                    <a:gd name="connsiteY0" fmla="*/ 665394 h 665394"/>
-                    <a:gd name="connsiteX1" fmla="*/ 1482291 w 3809940"/>
-                    <a:gd name="connsiteY1" fmla="*/ 607643 h 665394"/>
-                    <a:gd name="connsiteX2" fmla="*/ 2319689 w 3809940"/>
-                    <a:gd name="connsiteY2" fmla="*/ 357386 h 665394"/>
-                    <a:gd name="connsiteX3" fmla="*/ 2839453 w 3809940"/>
-                    <a:gd name="connsiteY3" fmla="*/ 116754 h 665394"/>
-                    <a:gd name="connsiteX4" fmla="*/ 3192469 w 3809940"/>
-                    <a:gd name="connsiteY4" fmla="*/ 20502 h 665394"/>
-                    <a:gd name="connsiteX5" fmla="*/ 3809940 w 3809940"/>
-                    <a:gd name="connsiteY5" fmla="*/ 116753 h 665394"/>
-                    <a:gd name="connsiteX0" fmla="*/ 0 w 3427992"/>
-                    <a:gd name="connsiteY0" fmla="*/ 725504 h 725504"/>
-                    <a:gd name="connsiteX1" fmla="*/ 1482291 w 3427992"/>
-                    <a:gd name="connsiteY1" fmla="*/ 667753 h 725504"/>
-                    <a:gd name="connsiteX2" fmla="*/ 2319689 w 3427992"/>
-                    <a:gd name="connsiteY2" fmla="*/ 417496 h 725504"/>
-                    <a:gd name="connsiteX3" fmla="*/ 2839453 w 3427992"/>
-                    <a:gd name="connsiteY3" fmla="*/ 176864 h 725504"/>
-                    <a:gd name="connsiteX4" fmla="*/ 3192469 w 3427992"/>
-                    <a:gd name="connsiteY4" fmla="*/ 80612 h 725504"/>
-                    <a:gd name="connsiteX5" fmla="*/ 3427992 w 3427992"/>
-                    <a:gd name="connsiteY5" fmla="*/ 51735 h 725504"/>
-                    <a:gd name="connsiteX0" fmla="*/ 0 w 3427992"/>
-                    <a:gd name="connsiteY0" fmla="*/ 673769 h 673769"/>
-                    <a:gd name="connsiteX1" fmla="*/ 1482291 w 3427992"/>
-                    <a:gd name="connsiteY1" fmla="*/ 616018 h 673769"/>
-                    <a:gd name="connsiteX2" fmla="*/ 2319689 w 3427992"/>
-                    <a:gd name="connsiteY2" fmla="*/ 365761 h 673769"/>
-                    <a:gd name="connsiteX3" fmla="*/ 2839453 w 3427992"/>
-                    <a:gd name="connsiteY3" fmla="*/ 125129 h 673769"/>
-                    <a:gd name="connsiteX4" fmla="*/ 3192469 w 3427992"/>
-                    <a:gd name="connsiteY4" fmla="*/ 28877 h 673769"/>
-                    <a:gd name="connsiteX5" fmla="*/ 3427992 w 3427992"/>
-                    <a:gd name="connsiteY5" fmla="*/ 0 h 673769"/>
+                    <a:gd name="connsiteX0-1" fmla="*/ 0 w 4421058"/>
+                    <a:gd name="connsiteY0-2" fmla="*/ 734625 h 734625"/>
+                    <a:gd name="connsiteX1-3" fmla="*/ 1482291 w 4421058"/>
+                    <a:gd name="connsiteY1-4" fmla="*/ 676874 h 734625"/>
+                    <a:gd name="connsiteX2-5" fmla="*/ 2319689 w 4421058"/>
+                    <a:gd name="connsiteY2-6" fmla="*/ 426617 h 734625"/>
+                    <a:gd name="connsiteX3-7" fmla="*/ 2839453 w 4421058"/>
+                    <a:gd name="connsiteY3-8" fmla="*/ 185985 h 734625"/>
+                    <a:gd name="connsiteX4-9" fmla="*/ 4004110 w 4421058"/>
+                    <a:gd name="connsiteY4-10" fmla="*/ 12731 h 734625"/>
+                    <a:gd name="connsiteX5-11" fmla="*/ 4421058 w 4421058"/>
+                    <a:gd name="connsiteY5-12" fmla="*/ 311113 h 734625"/>
+                    <a:gd name="connsiteX0-13" fmla="*/ 0 w 4421058"/>
+                    <a:gd name="connsiteY0-14" fmla="*/ 671854 h 671854"/>
+                    <a:gd name="connsiteX1-15" fmla="*/ 1482291 w 4421058"/>
+                    <a:gd name="connsiteY1-16" fmla="*/ 614103 h 671854"/>
+                    <a:gd name="connsiteX2-17" fmla="*/ 2319689 w 4421058"/>
+                    <a:gd name="connsiteY2-18" fmla="*/ 363846 h 671854"/>
+                    <a:gd name="connsiteX3-19" fmla="*/ 2839453 w 4421058"/>
+                    <a:gd name="connsiteY3-20" fmla="*/ 123214 h 671854"/>
+                    <a:gd name="connsiteX4-21" fmla="*/ 3412089 w 4421058"/>
+                    <a:gd name="connsiteY4-22" fmla="*/ 17336 h 671854"/>
+                    <a:gd name="connsiteX5-23" fmla="*/ 4421058 w 4421058"/>
+                    <a:gd name="connsiteY5-24" fmla="*/ 248342 h 671854"/>
+                    <a:gd name="connsiteX0-25" fmla="*/ 0 w 4421058"/>
+                    <a:gd name="connsiteY0-26" fmla="*/ 654518 h 654518"/>
+                    <a:gd name="connsiteX1-27" fmla="*/ 1482291 w 4421058"/>
+                    <a:gd name="connsiteY1-28" fmla="*/ 596767 h 654518"/>
+                    <a:gd name="connsiteX2-29" fmla="*/ 2319689 w 4421058"/>
+                    <a:gd name="connsiteY2-30" fmla="*/ 346510 h 654518"/>
+                    <a:gd name="connsiteX3-31" fmla="*/ 2839453 w 4421058"/>
+                    <a:gd name="connsiteY3-32" fmla="*/ 105878 h 654518"/>
+                    <a:gd name="connsiteX4-33" fmla="*/ 3412089 w 4421058"/>
+                    <a:gd name="connsiteY4-34" fmla="*/ 0 h 654518"/>
+                    <a:gd name="connsiteX5-35" fmla="*/ 4421058 w 4421058"/>
+                    <a:gd name="connsiteY5-36" fmla="*/ 231006 h 654518"/>
+                    <a:gd name="connsiteX0-37" fmla="*/ 0 w 4421058"/>
+                    <a:gd name="connsiteY0-38" fmla="*/ 654555 h 654555"/>
+                    <a:gd name="connsiteX1-39" fmla="*/ 1482291 w 4421058"/>
+                    <a:gd name="connsiteY1-40" fmla="*/ 596804 h 654555"/>
+                    <a:gd name="connsiteX2-41" fmla="*/ 2319689 w 4421058"/>
+                    <a:gd name="connsiteY2-42" fmla="*/ 346547 h 654555"/>
+                    <a:gd name="connsiteX3-43" fmla="*/ 2839453 w 4421058"/>
+                    <a:gd name="connsiteY3-44" fmla="*/ 105915 h 654555"/>
+                    <a:gd name="connsiteX4-45" fmla="*/ 3412089 w 4421058"/>
+                    <a:gd name="connsiteY4-46" fmla="*/ 37 h 654555"/>
+                    <a:gd name="connsiteX5-47" fmla="*/ 4421058 w 4421058"/>
+                    <a:gd name="connsiteY5-48" fmla="*/ 231043 h 654555"/>
+                    <a:gd name="connsiteX0-49" fmla="*/ 0 w 3762196"/>
+                    <a:gd name="connsiteY0-50" fmla="*/ 676584 h 676584"/>
+                    <a:gd name="connsiteX1-51" fmla="*/ 1482291 w 3762196"/>
+                    <a:gd name="connsiteY1-52" fmla="*/ 618833 h 676584"/>
+                    <a:gd name="connsiteX2-53" fmla="*/ 2319689 w 3762196"/>
+                    <a:gd name="connsiteY2-54" fmla="*/ 368576 h 676584"/>
+                    <a:gd name="connsiteX3-55" fmla="*/ 2839453 w 3762196"/>
+                    <a:gd name="connsiteY3-56" fmla="*/ 127944 h 676584"/>
+                    <a:gd name="connsiteX4-57" fmla="*/ 3412089 w 3762196"/>
+                    <a:gd name="connsiteY4-58" fmla="*/ 22066 h 676584"/>
+                    <a:gd name="connsiteX5-59" fmla="*/ 3762196 w 3762196"/>
+                    <a:gd name="connsiteY5-60" fmla="*/ 118318 h 676584"/>
+                    <a:gd name="connsiteX0-61" fmla="*/ 0 w 3762196"/>
+                    <a:gd name="connsiteY0-62" fmla="*/ 654556 h 654556"/>
+                    <a:gd name="connsiteX1-63" fmla="*/ 1482291 w 3762196"/>
+                    <a:gd name="connsiteY1-64" fmla="*/ 596805 h 654556"/>
+                    <a:gd name="connsiteX2-65" fmla="*/ 2319689 w 3762196"/>
+                    <a:gd name="connsiteY2-66" fmla="*/ 346548 h 654556"/>
+                    <a:gd name="connsiteX3-67" fmla="*/ 2839453 w 3762196"/>
+                    <a:gd name="connsiteY3-68" fmla="*/ 105916 h 654556"/>
+                    <a:gd name="connsiteX4-69" fmla="*/ 3412089 w 3762196"/>
+                    <a:gd name="connsiteY4-70" fmla="*/ 38 h 654556"/>
+                    <a:gd name="connsiteX5-71" fmla="*/ 3762196 w 3762196"/>
+                    <a:gd name="connsiteY5-72" fmla="*/ 96290 h 654556"/>
+                    <a:gd name="connsiteX0-73" fmla="*/ 0 w 3762196"/>
+                    <a:gd name="connsiteY0-74" fmla="*/ 654556 h 654556"/>
+                    <a:gd name="connsiteX1-75" fmla="*/ 1482291 w 3762196"/>
+                    <a:gd name="connsiteY1-76" fmla="*/ 596805 h 654556"/>
+                    <a:gd name="connsiteX2-77" fmla="*/ 2319689 w 3762196"/>
+                    <a:gd name="connsiteY2-78" fmla="*/ 346548 h 654556"/>
+                    <a:gd name="connsiteX3-79" fmla="*/ 2839453 w 3762196"/>
+                    <a:gd name="connsiteY3-80" fmla="*/ 105916 h 654556"/>
+                    <a:gd name="connsiteX4-81" fmla="*/ 3412089 w 3762196"/>
+                    <a:gd name="connsiteY4-82" fmla="*/ 38 h 654556"/>
+                    <a:gd name="connsiteX5-83" fmla="*/ 3762196 w 3762196"/>
+                    <a:gd name="connsiteY5-84" fmla="*/ 96290 h 654556"/>
+                    <a:gd name="connsiteX0-85" fmla="*/ 0 w 3809940"/>
+                    <a:gd name="connsiteY0-86" fmla="*/ 654556 h 654556"/>
+                    <a:gd name="connsiteX1-87" fmla="*/ 1482291 w 3809940"/>
+                    <a:gd name="connsiteY1-88" fmla="*/ 596805 h 654556"/>
+                    <a:gd name="connsiteX2-89" fmla="*/ 2319689 w 3809940"/>
+                    <a:gd name="connsiteY2-90" fmla="*/ 346548 h 654556"/>
+                    <a:gd name="connsiteX3-91" fmla="*/ 2839453 w 3809940"/>
+                    <a:gd name="connsiteY3-92" fmla="*/ 105916 h 654556"/>
+                    <a:gd name="connsiteX4-93" fmla="*/ 3412089 w 3809940"/>
+                    <a:gd name="connsiteY4-94" fmla="*/ 38 h 654556"/>
+                    <a:gd name="connsiteX5-95" fmla="*/ 3809940 w 3809940"/>
+                    <a:gd name="connsiteY5-96" fmla="*/ 105915 h 654556"/>
+                    <a:gd name="connsiteX0-97" fmla="*/ 0 w 3809940"/>
+                    <a:gd name="connsiteY0-98" fmla="*/ 644937 h 644937"/>
+                    <a:gd name="connsiteX1-99" fmla="*/ 1482291 w 3809940"/>
+                    <a:gd name="connsiteY1-100" fmla="*/ 587186 h 644937"/>
+                    <a:gd name="connsiteX2-101" fmla="*/ 2319689 w 3809940"/>
+                    <a:gd name="connsiteY2-102" fmla="*/ 336929 h 644937"/>
+                    <a:gd name="connsiteX3-103" fmla="*/ 2839453 w 3809940"/>
+                    <a:gd name="connsiteY3-104" fmla="*/ 96297 h 644937"/>
+                    <a:gd name="connsiteX4-105" fmla="*/ 3192469 w 3809940"/>
+                    <a:gd name="connsiteY4-106" fmla="*/ 45 h 644937"/>
+                    <a:gd name="connsiteX5-107" fmla="*/ 3809940 w 3809940"/>
+                    <a:gd name="connsiteY5-108" fmla="*/ 96296 h 644937"/>
+                    <a:gd name="connsiteX0-109" fmla="*/ 0 w 3809940"/>
+                    <a:gd name="connsiteY0-110" fmla="*/ 644892 h 644892"/>
+                    <a:gd name="connsiteX1-111" fmla="*/ 1482291 w 3809940"/>
+                    <a:gd name="connsiteY1-112" fmla="*/ 587141 h 644892"/>
+                    <a:gd name="connsiteX2-113" fmla="*/ 2319689 w 3809940"/>
+                    <a:gd name="connsiteY2-114" fmla="*/ 336884 h 644892"/>
+                    <a:gd name="connsiteX3-115" fmla="*/ 2839453 w 3809940"/>
+                    <a:gd name="connsiteY3-116" fmla="*/ 96252 h 644892"/>
+                    <a:gd name="connsiteX4-117" fmla="*/ 3192469 w 3809940"/>
+                    <a:gd name="connsiteY4-118" fmla="*/ 0 h 644892"/>
+                    <a:gd name="connsiteX5-119" fmla="*/ 3809940 w 3809940"/>
+                    <a:gd name="connsiteY5-120" fmla="*/ 96251 h 644892"/>
+                    <a:gd name="connsiteX0-121" fmla="*/ 0 w 3809940"/>
+                    <a:gd name="connsiteY0-122" fmla="*/ 665394 h 665394"/>
+                    <a:gd name="connsiteX1-123" fmla="*/ 1482291 w 3809940"/>
+                    <a:gd name="connsiteY1-124" fmla="*/ 607643 h 665394"/>
+                    <a:gd name="connsiteX2-125" fmla="*/ 2319689 w 3809940"/>
+                    <a:gd name="connsiteY2-126" fmla="*/ 357386 h 665394"/>
+                    <a:gd name="connsiteX3-127" fmla="*/ 2839453 w 3809940"/>
+                    <a:gd name="connsiteY3-128" fmla="*/ 116754 h 665394"/>
+                    <a:gd name="connsiteX4-129" fmla="*/ 3192469 w 3809940"/>
+                    <a:gd name="connsiteY4-130" fmla="*/ 20502 h 665394"/>
+                    <a:gd name="connsiteX5-131" fmla="*/ 3809940 w 3809940"/>
+                    <a:gd name="connsiteY5-132" fmla="*/ 116753 h 665394"/>
+                    <a:gd name="connsiteX0-133" fmla="*/ 0 w 3427992"/>
+                    <a:gd name="connsiteY0-134" fmla="*/ 725504 h 725504"/>
+                    <a:gd name="connsiteX1-135" fmla="*/ 1482291 w 3427992"/>
+                    <a:gd name="connsiteY1-136" fmla="*/ 667753 h 725504"/>
+                    <a:gd name="connsiteX2-137" fmla="*/ 2319689 w 3427992"/>
+                    <a:gd name="connsiteY2-138" fmla="*/ 417496 h 725504"/>
+                    <a:gd name="connsiteX3-139" fmla="*/ 2839453 w 3427992"/>
+                    <a:gd name="connsiteY3-140" fmla="*/ 176864 h 725504"/>
+                    <a:gd name="connsiteX4-141" fmla="*/ 3192469 w 3427992"/>
+                    <a:gd name="connsiteY4-142" fmla="*/ 80612 h 725504"/>
+                    <a:gd name="connsiteX5-143" fmla="*/ 3427992 w 3427992"/>
+                    <a:gd name="connsiteY5-144" fmla="*/ 51735 h 725504"/>
+                    <a:gd name="connsiteX0-145" fmla="*/ 0 w 3427992"/>
+                    <a:gd name="connsiteY0-146" fmla="*/ 673769 h 673769"/>
+                    <a:gd name="connsiteX1-147" fmla="*/ 1482291 w 3427992"/>
+                    <a:gd name="connsiteY1-148" fmla="*/ 616018 h 673769"/>
+                    <a:gd name="connsiteX2-149" fmla="*/ 2319689 w 3427992"/>
+                    <a:gd name="connsiteY2-150" fmla="*/ 365761 h 673769"/>
+                    <a:gd name="connsiteX3-151" fmla="*/ 2839453 w 3427992"/>
+                    <a:gd name="connsiteY3-152" fmla="*/ 125129 h 673769"/>
+                    <a:gd name="connsiteX4-153" fmla="*/ 3192469 w 3427992"/>
+                    <a:gd name="connsiteY4-154" fmla="*/ 28877 h 673769"/>
+                    <a:gd name="connsiteX5-155" fmla="*/ 3427992 w 3427992"/>
+                    <a:gd name="connsiteY5-156" fmla="*/ 0 h 673769"/>
                   </a:gdLst>
                   <a:ahLst/>
                   <a:cxnLst>
                     <a:cxn ang="0">
-                      <a:pos x="connsiteX0" y="connsiteY0"/>
+                      <a:pos x="connsiteX0-1" y="connsiteY0-2"/>
                     </a:cxn>
                     <a:cxn ang="0">
-                      <a:pos x="connsiteX1" y="connsiteY1"/>
+                      <a:pos x="connsiteX1-3" y="connsiteY1-4"/>
                     </a:cxn>
                     <a:cxn ang="0">
-                      <a:pos x="connsiteX2" y="connsiteY2"/>
+                      <a:pos x="connsiteX2-5" y="connsiteY2-6"/>
                     </a:cxn>
                     <a:cxn ang="0">
-                      <a:pos x="connsiteX3" y="connsiteY3"/>
+                      <a:pos x="connsiteX3-7" y="connsiteY3-8"/>
                     </a:cxn>
                     <a:cxn ang="0">
-                      <a:pos x="connsiteX4" y="connsiteY4"/>
+                      <a:pos x="connsiteX4-9" y="connsiteY4-10"/>
                     </a:cxn>
                     <a:cxn ang="0">
-                      <a:pos x="connsiteX5" y="connsiteY5"/>
+                      <a:pos x="connsiteX5-11" y="connsiteY5-12"/>
                     </a:cxn>
                   </a:cxnLst>
                   <a:rect l="l" t="t" r="r" b="b"/>
@@ -4191,13 +3753,7 @@
             </p:sp>
             <p:sp>
               <p:nvSpPr>
-                <p:cNvPr id="7" name="Freeform 6">
-                  <a:extLst>
-                    <a:ext uri="{FF2B5EF4-FFF2-40B4-BE49-F238E27FC236}">
-                      <a16:creationId xmlns:a16="http://schemas.microsoft.com/office/drawing/2014/main" id="{EA94D957-8D50-874A-AC93-6F2A14CFE900}"/>
-                    </a:ext>
-                  </a:extLst>
-                </p:cNvPr>
+                <p:cNvPr id="7" name="Freeform 6"/>
                 <p:cNvSpPr/>
                 <p:nvPr/>
               </p:nvSpPr>
@@ -4223,99 +3779,99 @@
                     <a:gd name="connsiteY5" fmla="*/ 751320 h 1325443"/>
                     <a:gd name="connsiteX6" fmla="*/ 4793381 w 4793381"/>
                     <a:gd name="connsiteY6" fmla="*/ 751320 h 1325443"/>
-                    <a:gd name="connsiteX0" fmla="*/ 0 w 4793381"/>
-                    <a:gd name="connsiteY0" fmla="*/ 963444 h 1008178"/>
-                    <a:gd name="connsiteX1" fmla="*/ 1020278 w 4793381"/>
-                    <a:gd name="connsiteY1" fmla="*/ 1001945 h 1008178"/>
-                    <a:gd name="connsiteX2" fmla="*/ 1684421 w 4793381"/>
-                    <a:gd name="connsiteY2" fmla="*/ 847941 h 1008178"/>
-                    <a:gd name="connsiteX3" fmla="*/ 2723950 w 4793381"/>
-                    <a:gd name="connsiteY3" fmla="*/ 578434 h 1008178"/>
-                    <a:gd name="connsiteX4" fmla="*/ 3253339 w 4793381"/>
-                    <a:gd name="connsiteY4" fmla="*/ 918 h 1008178"/>
-                    <a:gd name="connsiteX5" fmla="*/ 4793381 w 4793381"/>
-                    <a:gd name="connsiteY5" fmla="*/ 434055 h 1008178"/>
-                    <a:gd name="connsiteX6" fmla="*/ 4793381 w 4793381"/>
-                    <a:gd name="connsiteY6" fmla="*/ 434055 h 1008178"/>
-                    <a:gd name="connsiteX0" fmla="*/ 0 w 4793381"/>
-                    <a:gd name="connsiteY0" fmla="*/ 963444 h 1008178"/>
-                    <a:gd name="connsiteX1" fmla="*/ 1020278 w 4793381"/>
-                    <a:gd name="connsiteY1" fmla="*/ 1001945 h 1008178"/>
-                    <a:gd name="connsiteX2" fmla="*/ 1684421 w 4793381"/>
-                    <a:gd name="connsiteY2" fmla="*/ 847941 h 1008178"/>
-                    <a:gd name="connsiteX3" fmla="*/ 2723950 w 4793381"/>
-                    <a:gd name="connsiteY3" fmla="*/ 578434 h 1008178"/>
-                    <a:gd name="connsiteX4" fmla="*/ 3253339 w 4793381"/>
-                    <a:gd name="connsiteY4" fmla="*/ 918 h 1008178"/>
-                    <a:gd name="connsiteX5" fmla="*/ 4793381 w 4793381"/>
-                    <a:gd name="connsiteY5" fmla="*/ 434055 h 1008178"/>
-                    <a:gd name="connsiteX0" fmla="*/ 0 w 3253339"/>
-                    <a:gd name="connsiteY0" fmla="*/ 962526 h 1007260"/>
-                    <a:gd name="connsiteX1" fmla="*/ 1020278 w 3253339"/>
-                    <a:gd name="connsiteY1" fmla="*/ 1001027 h 1007260"/>
-                    <a:gd name="connsiteX2" fmla="*/ 1684421 w 3253339"/>
-                    <a:gd name="connsiteY2" fmla="*/ 847023 h 1007260"/>
-                    <a:gd name="connsiteX3" fmla="*/ 2723950 w 3253339"/>
-                    <a:gd name="connsiteY3" fmla="*/ 577516 h 1007260"/>
-                    <a:gd name="connsiteX4" fmla="*/ 3253339 w 3253339"/>
-                    <a:gd name="connsiteY4" fmla="*/ 0 h 1007260"/>
-                    <a:gd name="connsiteX0" fmla="*/ 0 w 2983832"/>
-                    <a:gd name="connsiteY0" fmla="*/ 808522 h 1001352"/>
-                    <a:gd name="connsiteX1" fmla="*/ 750771 w 2983832"/>
-                    <a:gd name="connsiteY1" fmla="*/ 1001027 h 1001352"/>
-                    <a:gd name="connsiteX2" fmla="*/ 1414914 w 2983832"/>
-                    <a:gd name="connsiteY2" fmla="*/ 847023 h 1001352"/>
-                    <a:gd name="connsiteX3" fmla="*/ 2454443 w 2983832"/>
-                    <a:gd name="connsiteY3" fmla="*/ 577516 h 1001352"/>
-                    <a:gd name="connsiteX4" fmla="*/ 2983832 w 2983832"/>
-                    <a:gd name="connsiteY4" fmla="*/ 0 h 1001352"/>
-                    <a:gd name="connsiteX0" fmla="*/ 0 w 2983832"/>
-                    <a:gd name="connsiteY0" fmla="*/ 808522 h 865276"/>
-                    <a:gd name="connsiteX1" fmla="*/ 866274 w 2983832"/>
-                    <a:gd name="connsiteY1" fmla="*/ 837398 h 865276"/>
-                    <a:gd name="connsiteX2" fmla="*/ 1414914 w 2983832"/>
-                    <a:gd name="connsiteY2" fmla="*/ 847023 h 865276"/>
-                    <a:gd name="connsiteX3" fmla="*/ 2454443 w 2983832"/>
-                    <a:gd name="connsiteY3" fmla="*/ 577516 h 865276"/>
-                    <a:gd name="connsiteX4" fmla="*/ 2983832 w 2983832"/>
-                    <a:gd name="connsiteY4" fmla="*/ 0 h 865276"/>
-                    <a:gd name="connsiteX0" fmla="*/ 0 w 2983832"/>
-                    <a:gd name="connsiteY0" fmla="*/ 808522 h 838400"/>
-                    <a:gd name="connsiteX1" fmla="*/ 866274 w 2983832"/>
-                    <a:gd name="connsiteY1" fmla="*/ 837398 h 838400"/>
-                    <a:gd name="connsiteX2" fmla="*/ 1405289 w 2983832"/>
-                    <a:gd name="connsiteY2" fmla="*/ 789271 h 838400"/>
-                    <a:gd name="connsiteX3" fmla="*/ 2454443 w 2983832"/>
-                    <a:gd name="connsiteY3" fmla="*/ 577516 h 838400"/>
-                    <a:gd name="connsiteX4" fmla="*/ 2983832 w 2983832"/>
-                    <a:gd name="connsiteY4" fmla="*/ 0 h 838400"/>
-                    <a:gd name="connsiteX0" fmla="*/ 0 w 2983832"/>
-                    <a:gd name="connsiteY0" fmla="*/ 808522 h 838400"/>
-                    <a:gd name="connsiteX1" fmla="*/ 866274 w 2983832"/>
-                    <a:gd name="connsiteY1" fmla="*/ 837398 h 838400"/>
-                    <a:gd name="connsiteX2" fmla="*/ 1405289 w 2983832"/>
-                    <a:gd name="connsiteY2" fmla="*/ 789271 h 838400"/>
-                    <a:gd name="connsiteX3" fmla="*/ 2454443 w 2983832"/>
-                    <a:gd name="connsiteY3" fmla="*/ 577516 h 838400"/>
-                    <a:gd name="connsiteX4" fmla="*/ 2983832 w 2983832"/>
-                    <a:gd name="connsiteY4" fmla="*/ 0 h 838400"/>
+                    <a:gd name="connsiteX0-1" fmla="*/ 0 w 4793381"/>
+                    <a:gd name="connsiteY0-2" fmla="*/ 963444 h 1008178"/>
+                    <a:gd name="connsiteX1-3" fmla="*/ 1020278 w 4793381"/>
+                    <a:gd name="connsiteY1-4" fmla="*/ 1001945 h 1008178"/>
+                    <a:gd name="connsiteX2-5" fmla="*/ 1684421 w 4793381"/>
+                    <a:gd name="connsiteY2-6" fmla="*/ 847941 h 1008178"/>
+                    <a:gd name="connsiteX3-7" fmla="*/ 2723950 w 4793381"/>
+                    <a:gd name="connsiteY3-8" fmla="*/ 578434 h 1008178"/>
+                    <a:gd name="connsiteX4-9" fmla="*/ 3253339 w 4793381"/>
+                    <a:gd name="connsiteY4-10" fmla="*/ 918 h 1008178"/>
+                    <a:gd name="connsiteX5-11" fmla="*/ 4793381 w 4793381"/>
+                    <a:gd name="connsiteY5-12" fmla="*/ 434055 h 1008178"/>
+                    <a:gd name="connsiteX6-13" fmla="*/ 4793381 w 4793381"/>
+                    <a:gd name="connsiteY6-14" fmla="*/ 434055 h 1008178"/>
+                    <a:gd name="connsiteX0-15" fmla="*/ 0 w 4793381"/>
+                    <a:gd name="connsiteY0-16" fmla="*/ 963444 h 1008178"/>
+                    <a:gd name="connsiteX1-17" fmla="*/ 1020278 w 4793381"/>
+                    <a:gd name="connsiteY1-18" fmla="*/ 1001945 h 1008178"/>
+                    <a:gd name="connsiteX2-19" fmla="*/ 1684421 w 4793381"/>
+                    <a:gd name="connsiteY2-20" fmla="*/ 847941 h 1008178"/>
+                    <a:gd name="connsiteX3-21" fmla="*/ 2723950 w 4793381"/>
+                    <a:gd name="connsiteY3-22" fmla="*/ 578434 h 1008178"/>
+                    <a:gd name="connsiteX4-23" fmla="*/ 3253339 w 4793381"/>
+                    <a:gd name="connsiteY4-24" fmla="*/ 918 h 1008178"/>
+                    <a:gd name="connsiteX5-25" fmla="*/ 4793381 w 4793381"/>
+                    <a:gd name="connsiteY5-26" fmla="*/ 434055 h 1008178"/>
+                    <a:gd name="connsiteX0-27" fmla="*/ 0 w 3253339"/>
+                    <a:gd name="connsiteY0-28" fmla="*/ 962526 h 1007260"/>
+                    <a:gd name="connsiteX1-29" fmla="*/ 1020278 w 3253339"/>
+                    <a:gd name="connsiteY1-30" fmla="*/ 1001027 h 1007260"/>
+                    <a:gd name="connsiteX2-31" fmla="*/ 1684421 w 3253339"/>
+                    <a:gd name="connsiteY2-32" fmla="*/ 847023 h 1007260"/>
+                    <a:gd name="connsiteX3-33" fmla="*/ 2723950 w 3253339"/>
+                    <a:gd name="connsiteY3-34" fmla="*/ 577516 h 1007260"/>
+                    <a:gd name="connsiteX4-35" fmla="*/ 3253339 w 3253339"/>
+                    <a:gd name="connsiteY4-36" fmla="*/ 0 h 1007260"/>
+                    <a:gd name="connsiteX0-37" fmla="*/ 0 w 2983832"/>
+                    <a:gd name="connsiteY0-38" fmla="*/ 808522 h 1001352"/>
+                    <a:gd name="connsiteX1-39" fmla="*/ 750771 w 2983832"/>
+                    <a:gd name="connsiteY1-40" fmla="*/ 1001027 h 1001352"/>
+                    <a:gd name="connsiteX2-41" fmla="*/ 1414914 w 2983832"/>
+                    <a:gd name="connsiteY2-42" fmla="*/ 847023 h 1001352"/>
+                    <a:gd name="connsiteX3-43" fmla="*/ 2454443 w 2983832"/>
+                    <a:gd name="connsiteY3-44" fmla="*/ 577516 h 1001352"/>
+                    <a:gd name="connsiteX4-45" fmla="*/ 2983832 w 2983832"/>
+                    <a:gd name="connsiteY4-46" fmla="*/ 0 h 1001352"/>
+                    <a:gd name="connsiteX0-47" fmla="*/ 0 w 2983832"/>
+                    <a:gd name="connsiteY0-48" fmla="*/ 808522 h 865276"/>
+                    <a:gd name="connsiteX1-49" fmla="*/ 866274 w 2983832"/>
+                    <a:gd name="connsiteY1-50" fmla="*/ 837398 h 865276"/>
+                    <a:gd name="connsiteX2-51" fmla="*/ 1414914 w 2983832"/>
+                    <a:gd name="connsiteY2-52" fmla="*/ 847023 h 865276"/>
+                    <a:gd name="connsiteX3-53" fmla="*/ 2454443 w 2983832"/>
+                    <a:gd name="connsiteY3-54" fmla="*/ 577516 h 865276"/>
+                    <a:gd name="connsiteX4-55" fmla="*/ 2983832 w 2983832"/>
+                    <a:gd name="connsiteY4-56" fmla="*/ 0 h 865276"/>
+                    <a:gd name="connsiteX0-57" fmla="*/ 0 w 2983832"/>
+                    <a:gd name="connsiteY0-58" fmla="*/ 808522 h 838400"/>
+                    <a:gd name="connsiteX1-59" fmla="*/ 866274 w 2983832"/>
+                    <a:gd name="connsiteY1-60" fmla="*/ 837398 h 838400"/>
+                    <a:gd name="connsiteX2-61" fmla="*/ 1405289 w 2983832"/>
+                    <a:gd name="connsiteY2-62" fmla="*/ 789271 h 838400"/>
+                    <a:gd name="connsiteX3-63" fmla="*/ 2454443 w 2983832"/>
+                    <a:gd name="connsiteY3-64" fmla="*/ 577516 h 838400"/>
+                    <a:gd name="connsiteX4-65" fmla="*/ 2983832 w 2983832"/>
+                    <a:gd name="connsiteY4-66" fmla="*/ 0 h 838400"/>
+                    <a:gd name="connsiteX0-67" fmla="*/ 0 w 2983832"/>
+                    <a:gd name="connsiteY0-68" fmla="*/ 808522 h 838400"/>
+                    <a:gd name="connsiteX1-69" fmla="*/ 866274 w 2983832"/>
+                    <a:gd name="connsiteY1-70" fmla="*/ 837398 h 838400"/>
+                    <a:gd name="connsiteX2-71" fmla="*/ 1405289 w 2983832"/>
+                    <a:gd name="connsiteY2-72" fmla="*/ 789271 h 838400"/>
+                    <a:gd name="connsiteX3-73" fmla="*/ 2454443 w 2983832"/>
+                    <a:gd name="connsiteY3-74" fmla="*/ 577516 h 838400"/>
+                    <a:gd name="connsiteX4-75" fmla="*/ 2983832 w 2983832"/>
+                    <a:gd name="connsiteY4-76" fmla="*/ 0 h 838400"/>
                   </a:gdLst>
                   <a:ahLst/>
                   <a:cxnLst>
                     <a:cxn ang="0">
-                      <a:pos x="connsiteX0" y="connsiteY0"/>
+                      <a:pos x="connsiteX0-1" y="connsiteY0-2"/>
                     </a:cxn>
                     <a:cxn ang="0">
-                      <a:pos x="connsiteX1" y="connsiteY1"/>
+                      <a:pos x="connsiteX1-3" y="connsiteY1-4"/>
                     </a:cxn>
                     <a:cxn ang="0">
-                      <a:pos x="connsiteX2" y="connsiteY2"/>
+                      <a:pos x="connsiteX2-5" y="connsiteY2-6"/>
                     </a:cxn>
                     <a:cxn ang="0">
-                      <a:pos x="connsiteX3" y="connsiteY3"/>
+                      <a:pos x="connsiteX3-7" y="connsiteY3-8"/>
                     </a:cxn>
                     <a:cxn ang="0">
-                      <a:pos x="connsiteX4" y="connsiteY4"/>
+                      <a:pos x="connsiteX4-9" y="connsiteY4-10"/>
                     </a:cxn>
                   </a:cxnLst>
                   <a:rect l="l" t="t" r="r" b="b"/>
@@ -4376,13 +3932,7 @@
             </p:sp>
             <p:sp>
               <p:nvSpPr>
-                <p:cNvPr id="8" name="Freeform 7">
-                  <a:extLst>
-                    <a:ext uri="{FF2B5EF4-FFF2-40B4-BE49-F238E27FC236}">
-                      <a16:creationId xmlns:a16="http://schemas.microsoft.com/office/drawing/2014/main" id="{DFF3DAE0-0BAA-9343-836A-4709DB60872B}"/>
-                    </a:ext>
-                  </a:extLst>
-                </p:cNvPr>
+                <p:cNvPr id="8" name="Freeform 7"/>
                 <p:cNvSpPr/>
                 <p:nvPr/>
               </p:nvSpPr>
@@ -4464,13 +4014,7 @@
             <mc:Choice xmlns:a14="http://schemas.microsoft.com/office/drawing/2010/main" Requires="a14">
               <p:sp>
                 <p:nvSpPr>
-                  <p:cNvPr id="10" name="TextBox 9">
-                    <a:extLst>
-                      <a:ext uri="{FF2B5EF4-FFF2-40B4-BE49-F238E27FC236}">
-                        <a16:creationId xmlns:a16="http://schemas.microsoft.com/office/drawing/2014/main" id="{7D3215AF-22FA-0B42-927D-0DF83155E223}"/>
-                      </a:ext>
-                    </a:extLst>
-                  </p:cNvPr>
+                  <p:cNvPr id="10" name="TextBox 9"/>
                   <p:cNvSpPr txBox="1"/>
                   <p:nvPr/>
                 </p:nvSpPr>
@@ -4532,13 +4076,7 @@
             <mc:Fallback>
               <p:sp>
                 <p:nvSpPr>
-                  <p:cNvPr id="10" name="TextBox 9">
-                    <a:extLst>
-                      <a:ext uri="{FF2B5EF4-FFF2-40B4-BE49-F238E27FC236}">
-                        <a16:creationId xmlns:a16="http://schemas.microsoft.com/office/drawing/2014/main" id="{7D3215AF-22FA-0B42-927D-0DF83155E223}"/>
-                      </a:ext>
-                    </a:extLst>
-                  </p:cNvPr>
+                  <p:cNvPr id="10" name="TextBox 9"/>
                   <p:cNvSpPr txBox="1">
                     <a:spLocks noRot="1" noChangeAspect="1" noMove="1" noResize="1" noEditPoints="1" noAdjustHandles="1" noChangeArrowheads="1" noChangeShapeType="1" noTextEdit="1"/>
                   </p:cNvSpPr>
@@ -4552,11 +4090,8 @@
                   <a:prstGeom prst="rect">
                     <a:avLst/>
                   </a:prstGeom>
-                  <a:blipFill>
-                    <a:blip r:embed="rId3"/>
-                    <a:stretch>
-                      <a:fillRect l="-8333" b="-13043"/>
-                    </a:stretch>
+                  <a:blipFill rotWithShape="1">
+                    <a:blip r:embed="rId1"/>
                   </a:blipFill>
                 </p:spPr>
                 <p:txBody>
@@ -4564,10 +4099,10 @@
                   <a:lstStyle/>
                   <a:p>
                     <a:r>
-                      <a:rPr lang="en-US">
+                      <a:rPr lang="en-US" altLang="en-US">
                         <a:noFill/>
                       </a:rPr>
-                      <a:t> </a:t>
+                      <a:t> </a:t>
                     </a:r>
                   </a:p>
                 </p:txBody>
@@ -4576,13 +4111,7 @@
           </mc:AlternateContent>
           <p:sp>
             <p:nvSpPr>
-              <p:cNvPr id="11" name="Oval 10">
-                <a:extLst>
-                  <a:ext uri="{FF2B5EF4-FFF2-40B4-BE49-F238E27FC236}">
-                    <a16:creationId xmlns:a16="http://schemas.microsoft.com/office/drawing/2014/main" id="{D1431FFA-CFB3-1B47-BEC8-72228C428F8C}"/>
-                  </a:ext>
-                </a:extLst>
-              </p:cNvPr>
+              <p:cNvPr id="11" name="Oval 10"/>
               <p:cNvSpPr>
                 <a:spLocks noChangeAspect="1"/>
               </p:cNvSpPr>
@@ -4632,13 +4161,7 @@
           </p:sp>
           <p:sp>
             <p:nvSpPr>
-              <p:cNvPr id="12" name="Oval 11">
-                <a:extLst>
-                  <a:ext uri="{FF2B5EF4-FFF2-40B4-BE49-F238E27FC236}">
-                    <a16:creationId xmlns:a16="http://schemas.microsoft.com/office/drawing/2014/main" id="{6B8471FF-403C-694F-AAA8-515D9753F64F}"/>
-                  </a:ext>
-                </a:extLst>
-              </p:cNvPr>
+              <p:cNvPr id="12" name="Oval 11"/>
               <p:cNvSpPr>
                 <a:spLocks noChangeAspect="1"/>
               </p:cNvSpPr>
@@ -4688,13 +4211,7 @@
           </p:sp>
           <p:sp>
             <p:nvSpPr>
-              <p:cNvPr id="13" name="Oval 12">
-                <a:extLst>
-                  <a:ext uri="{FF2B5EF4-FFF2-40B4-BE49-F238E27FC236}">
-                    <a16:creationId xmlns:a16="http://schemas.microsoft.com/office/drawing/2014/main" id="{92772AD7-EC25-9D48-80BC-9F76C0710714}"/>
-                  </a:ext>
-                </a:extLst>
-              </p:cNvPr>
+              <p:cNvPr id="13" name="Oval 12"/>
               <p:cNvSpPr>
                 <a:spLocks noChangeAspect="1"/>
               </p:cNvSpPr>
@@ -4744,13 +4261,7 @@
           </p:sp>
           <p:sp>
             <p:nvSpPr>
-              <p:cNvPr id="14" name="Oval 13">
-                <a:extLst>
-                  <a:ext uri="{FF2B5EF4-FFF2-40B4-BE49-F238E27FC236}">
-                    <a16:creationId xmlns:a16="http://schemas.microsoft.com/office/drawing/2014/main" id="{0213A19A-2730-C046-AD1F-E2E57DB55361}"/>
-                  </a:ext>
-                </a:extLst>
-              </p:cNvPr>
+              <p:cNvPr id="14" name="Oval 13"/>
               <p:cNvSpPr>
                 <a:spLocks noChangeAspect="1"/>
               </p:cNvSpPr>
@@ -4800,13 +4311,7 @@
           </p:sp>
           <p:sp>
             <p:nvSpPr>
-              <p:cNvPr id="15" name="Oval 14">
-                <a:extLst>
-                  <a:ext uri="{FF2B5EF4-FFF2-40B4-BE49-F238E27FC236}">
-                    <a16:creationId xmlns:a16="http://schemas.microsoft.com/office/drawing/2014/main" id="{14E7D242-AC55-EE4F-B1EC-8A219001E784}"/>
-                  </a:ext>
-                </a:extLst>
-              </p:cNvPr>
+              <p:cNvPr id="15" name="Oval 14"/>
               <p:cNvSpPr>
                 <a:spLocks noChangeAspect="1"/>
               </p:cNvSpPr>
@@ -4856,13 +4361,7 @@
           </p:sp>
           <p:sp>
             <p:nvSpPr>
-              <p:cNvPr id="16" name="Oval 15">
-                <a:extLst>
-                  <a:ext uri="{FF2B5EF4-FFF2-40B4-BE49-F238E27FC236}">
-                    <a16:creationId xmlns:a16="http://schemas.microsoft.com/office/drawing/2014/main" id="{8BBB7BB5-9347-844E-91D8-3370CAB90DB9}"/>
-                  </a:ext>
-                </a:extLst>
-              </p:cNvPr>
+              <p:cNvPr id="16" name="Oval 15"/>
               <p:cNvSpPr>
                 <a:spLocks noChangeAspect="1"/>
               </p:cNvSpPr>
@@ -4912,13 +4411,7 @@
           </p:sp>
           <p:sp>
             <p:nvSpPr>
-              <p:cNvPr id="17" name="Oval 16">
-                <a:extLst>
-                  <a:ext uri="{FF2B5EF4-FFF2-40B4-BE49-F238E27FC236}">
-                    <a16:creationId xmlns:a16="http://schemas.microsoft.com/office/drawing/2014/main" id="{F7D28D04-7B0B-5F46-B534-4510C01A6607}"/>
-                  </a:ext>
-                </a:extLst>
-              </p:cNvPr>
+              <p:cNvPr id="17" name="Oval 16"/>
               <p:cNvSpPr>
                 <a:spLocks noChangeAspect="1"/>
               </p:cNvSpPr>
@@ -4968,13 +4461,7 @@
           </p:sp>
           <p:sp>
             <p:nvSpPr>
-              <p:cNvPr id="18" name="Oval 17">
-                <a:extLst>
-                  <a:ext uri="{FF2B5EF4-FFF2-40B4-BE49-F238E27FC236}">
-                    <a16:creationId xmlns:a16="http://schemas.microsoft.com/office/drawing/2014/main" id="{12F2011E-5154-7C49-A0FA-E6F05737414C}"/>
-                  </a:ext>
-                </a:extLst>
-              </p:cNvPr>
+              <p:cNvPr id="18" name="Oval 17"/>
               <p:cNvSpPr>
                 <a:spLocks noChangeAspect="1"/>
               </p:cNvSpPr>
@@ -5027,13 +4514,7 @@
           <mc:Choice xmlns:a14="http://schemas.microsoft.com/office/drawing/2010/main" Requires="a14">
             <p:sp>
               <p:nvSpPr>
-                <p:cNvPr id="20" name="TextBox 19">
-                  <a:extLst>
-                    <a:ext uri="{FF2B5EF4-FFF2-40B4-BE49-F238E27FC236}">
-                      <a16:creationId xmlns:a16="http://schemas.microsoft.com/office/drawing/2014/main" id="{A64F262E-A252-7E43-B0DC-768E7CE80FE0}"/>
-                    </a:ext>
-                  </a:extLst>
-                </p:cNvPr>
+                <p:cNvPr id="20" name="TextBox 19"/>
                 <p:cNvSpPr txBox="1"/>
                 <p:nvPr/>
               </p:nvSpPr>
@@ -5095,13 +4576,7 @@
           <mc:Fallback>
             <p:sp>
               <p:nvSpPr>
-                <p:cNvPr id="20" name="TextBox 19">
-                  <a:extLst>
-                    <a:ext uri="{FF2B5EF4-FFF2-40B4-BE49-F238E27FC236}">
-                      <a16:creationId xmlns:a16="http://schemas.microsoft.com/office/drawing/2014/main" id="{A64F262E-A252-7E43-B0DC-768E7CE80FE0}"/>
-                    </a:ext>
-                  </a:extLst>
-                </p:cNvPr>
+                <p:cNvPr id="20" name="TextBox 19"/>
                 <p:cNvSpPr txBox="1">
                   <a:spLocks noRot="1" noChangeAspect="1" noMove="1" noResize="1" noEditPoints="1" noAdjustHandles="1" noChangeArrowheads="1" noChangeShapeType="1" noTextEdit="1"/>
                 </p:cNvSpPr>
@@ -5115,11 +4590,8 @@
                 <a:prstGeom prst="rect">
                   <a:avLst/>
                 </a:prstGeom>
-                <a:blipFill>
-                  <a:blip r:embed="rId4"/>
-                  <a:stretch>
-                    <a:fillRect l="-14286" r="-9524" b="-13043"/>
-                  </a:stretch>
+                <a:blipFill rotWithShape="1">
+                  <a:blip r:embed="rId2"/>
                 </a:blipFill>
               </p:spPr>
               <p:txBody>
@@ -5127,10 +4599,10 @@
                 <a:lstStyle/>
                 <a:p>
                   <a:r>
-                    <a:rPr lang="en-US">
+                    <a:rPr lang="en-US" altLang="en-US">
                       <a:noFill/>
                     </a:rPr>
-                    <a:t> </a:t>
+                    <a:t> </a:t>
                   </a:r>
                 </a:p>
               </p:txBody>
@@ -5141,13 +4613,7 @@
           <mc:Choice xmlns:a14="http://schemas.microsoft.com/office/drawing/2010/main" Requires="a14">
             <p:sp>
               <p:nvSpPr>
-                <p:cNvPr id="21" name="TextBox 20">
-                  <a:extLst>
-                    <a:ext uri="{FF2B5EF4-FFF2-40B4-BE49-F238E27FC236}">
-                      <a16:creationId xmlns:a16="http://schemas.microsoft.com/office/drawing/2014/main" id="{86809FEC-3DA4-274C-B8F9-52D204E00FB0}"/>
-                    </a:ext>
-                  </a:extLst>
-                </p:cNvPr>
+                <p:cNvPr id="21" name="TextBox 20"/>
                 <p:cNvSpPr txBox="1"/>
                 <p:nvPr/>
               </p:nvSpPr>
@@ -5209,13 +4675,7 @@
           <mc:Fallback>
             <p:sp>
               <p:nvSpPr>
-                <p:cNvPr id="21" name="TextBox 20">
-                  <a:extLst>
-                    <a:ext uri="{FF2B5EF4-FFF2-40B4-BE49-F238E27FC236}">
-                      <a16:creationId xmlns:a16="http://schemas.microsoft.com/office/drawing/2014/main" id="{86809FEC-3DA4-274C-B8F9-52D204E00FB0}"/>
-                    </a:ext>
-                  </a:extLst>
-                </p:cNvPr>
+                <p:cNvPr id="21" name="TextBox 20"/>
                 <p:cNvSpPr txBox="1">
                   <a:spLocks noRot="1" noChangeAspect="1" noMove="1" noResize="1" noEditPoints="1" noAdjustHandles="1" noChangeArrowheads="1" noChangeShapeType="1" noTextEdit="1"/>
                 </p:cNvSpPr>
@@ -5229,11 +4689,8 @@
                 <a:prstGeom prst="rect">
                   <a:avLst/>
                 </a:prstGeom>
-                <a:blipFill>
-                  <a:blip r:embed="rId5"/>
-                  <a:stretch>
-                    <a:fillRect l="-9091" r="-4545" b="-13043"/>
-                  </a:stretch>
+                <a:blipFill rotWithShape="1">
+                  <a:blip r:embed="rId3"/>
                 </a:blipFill>
               </p:spPr>
               <p:txBody>
@@ -5241,10 +4698,10 @@
                 <a:lstStyle/>
                 <a:p>
                   <a:r>
-                    <a:rPr lang="en-US">
+                    <a:rPr lang="en-US" altLang="en-US">
                       <a:noFill/>
                     </a:rPr>
-                    <a:t> </a:t>
+                    <a:t> </a:t>
                   </a:r>
                 </a:p>
               </p:txBody>
@@ -5255,13 +4712,7 @@
           <mc:Choice xmlns:a14="http://schemas.microsoft.com/office/drawing/2010/main" Requires="a14">
             <p:sp>
               <p:nvSpPr>
-                <p:cNvPr id="22" name="TextBox 21">
-                  <a:extLst>
-                    <a:ext uri="{FF2B5EF4-FFF2-40B4-BE49-F238E27FC236}">
-                      <a16:creationId xmlns:a16="http://schemas.microsoft.com/office/drawing/2014/main" id="{07CA0000-E5DB-7843-9B87-6A1031E1DDBA}"/>
-                    </a:ext>
-                  </a:extLst>
-                </p:cNvPr>
+                <p:cNvPr id="22" name="TextBox 21"/>
                 <p:cNvSpPr txBox="1"/>
                 <p:nvPr/>
               </p:nvSpPr>
@@ -5323,13 +4774,7 @@
           <mc:Fallback>
             <p:sp>
               <p:nvSpPr>
-                <p:cNvPr id="22" name="TextBox 21">
-                  <a:extLst>
-                    <a:ext uri="{FF2B5EF4-FFF2-40B4-BE49-F238E27FC236}">
-                      <a16:creationId xmlns:a16="http://schemas.microsoft.com/office/drawing/2014/main" id="{07CA0000-E5DB-7843-9B87-6A1031E1DDBA}"/>
-                    </a:ext>
-                  </a:extLst>
-                </p:cNvPr>
+                <p:cNvPr id="22" name="TextBox 21"/>
                 <p:cNvSpPr txBox="1">
                   <a:spLocks noRot="1" noChangeAspect="1" noMove="1" noResize="1" noEditPoints="1" noAdjustHandles="1" noChangeArrowheads="1" noChangeShapeType="1" noTextEdit="1"/>
                 </p:cNvSpPr>
@@ -5343,11 +4788,8 @@
                 <a:prstGeom prst="rect">
                   <a:avLst/>
                 </a:prstGeom>
-                <a:blipFill>
-                  <a:blip r:embed="rId6"/>
-                  <a:stretch>
-                    <a:fillRect l="-9091" r="-4545" b="-8696"/>
-                  </a:stretch>
+                <a:blipFill rotWithShape="1">
+                  <a:blip r:embed="rId4"/>
                 </a:blipFill>
               </p:spPr>
               <p:txBody>
@@ -5355,10 +4797,10 @@
                 <a:lstStyle/>
                 <a:p>
                   <a:r>
-                    <a:rPr lang="en-US">
+                    <a:rPr lang="en-US" altLang="en-US">
                       <a:noFill/>
                     </a:rPr>
-                    <a:t> </a:t>
+                    <a:t> </a:t>
                   </a:r>
                 </a:p>
               </p:txBody>
@@ -5369,13 +4811,7 @@
           <mc:Choice xmlns:a14="http://schemas.microsoft.com/office/drawing/2010/main" Requires="a14">
             <p:sp>
               <p:nvSpPr>
-                <p:cNvPr id="23" name="TextBox 22">
-                  <a:extLst>
-                    <a:ext uri="{FF2B5EF4-FFF2-40B4-BE49-F238E27FC236}">
-                      <a16:creationId xmlns:a16="http://schemas.microsoft.com/office/drawing/2014/main" id="{F70AD61F-B125-2040-9D3A-F43325238DBD}"/>
-                    </a:ext>
-                  </a:extLst>
-                </p:cNvPr>
+                <p:cNvPr id="23" name="TextBox 22"/>
                 <p:cNvSpPr txBox="1"/>
                 <p:nvPr/>
               </p:nvSpPr>
@@ -5437,13 +4873,7 @@
           <mc:Fallback>
             <p:sp>
               <p:nvSpPr>
-                <p:cNvPr id="23" name="TextBox 22">
-                  <a:extLst>
-                    <a:ext uri="{FF2B5EF4-FFF2-40B4-BE49-F238E27FC236}">
-                      <a16:creationId xmlns:a16="http://schemas.microsoft.com/office/drawing/2014/main" id="{F70AD61F-B125-2040-9D3A-F43325238DBD}"/>
-                    </a:ext>
-                  </a:extLst>
-                </p:cNvPr>
+                <p:cNvPr id="23" name="TextBox 22"/>
                 <p:cNvSpPr txBox="1">
                   <a:spLocks noRot="1" noChangeAspect="1" noMove="1" noResize="1" noEditPoints="1" noAdjustHandles="1" noChangeArrowheads="1" noChangeShapeType="1" noTextEdit="1"/>
                 </p:cNvSpPr>
@@ -5457,11 +4887,8 @@
                 <a:prstGeom prst="rect">
                   <a:avLst/>
                 </a:prstGeom>
-                <a:blipFill>
-                  <a:blip r:embed="rId7"/>
-                  <a:stretch>
-                    <a:fillRect l="-14286" r="-9524" b="-13043"/>
-                  </a:stretch>
+                <a:blipFill rotWithShape="1">
+                  <a:blip r:embed="rId5"/>
                 </a:blipFill>
               </p:spPr>
               <p:txBody>
@@ -5469,10 +4896,10 @@
                 <a:lstStyle/>
                 <a:p>
                   <a:r>
-                    <a:rPr lang="en-US">
+                    <a:rPr lang="en-US" altLang="en-US">
                       <a:noFill/>
                     </a:rPr>
-                    <a:t> </a:t>
+                    <a:t> </a:t>
                   </a:r>
                 </a:p>
               </p:txBody>
@@ -5481,11 +4908,6 @@
         </mc:AlternateContent>
       </p:grpSp>
     </p:spTree>
-    <p:extLst>
-      <p:ext uri="{BB962C8B-B14F-4D97-AF65-F5344CB8AC3E}">
-        <p14:creationId xmlns:p14="http://schemas.microsoft.com/office/powerpoint/2010/main" val="2614290465"/>
-      </p:ext>
-    </p:extLst>
   </p:cSld>
   <p:clrMapOvr>
     <a:masterClrMapping/>
@@ -5536,7 +4958,7 @@
     </a:clrScheme>
     <a:fontScheme name="Office">
       <a:majorFont>
-        <a:latin typeface="Calibri Light" panose="020F0302020204030204"/>
+        <a:latin typeface="Calibri Light"/>
         <a:ea typeface=""/>
         <a:cs typeface=""/>
         <a:font script="Jpan" typeface="游ゴシック Light"/>
@@ -5569,26 +4991,9 @@
         <a:font script="Viet" typeface="Times New Roman"/>
         <a:font script="Uigh" typeface="Microsoft Uighur"/>
         <a:font script="Geor" typeface="Sylfaen"/>
-        <a:font script="Armn" typeface="Arial"/>
-        <a:font script="Bugi" typeface="Leelawadee UI"/>
-        <a:font script="Bopo" typeface="Microsoft JhengHei"/>
-        <a:font script="Java" typeface="Javanese Text"/>
-        <a:font script="Lisu" typeface="Segoe UI"/>
-        <a:font script="Mymr" typeface="Myanmar Text"/>
-        <a:font script="Nkoo" typeface="Ebrima"/>
-        <a:font script="Olck" typeface="Nirmala UI"/>
-        <a:font script="Osma" typeface="Ebrima"/>
-        <a:font script="Phag" typeface="Phagspa"/>
-        <a:font script="Syrn" typeface="Estrangelo Edessa"/>
-        <a:font script="Syrj" typeface="Estrangelo Edessa"/>
-        <a:font script="Syre" typeface="Estrangelo Edessa"/>
-        <a:font script="Sora" typeface="Nirmala UI"/>
-        <a:font script="Tale" typeface="Microsoft Tai Le"/>
-        <a:font script="Talu" typeface="Microsoft New Tai Lue"/>
-        <a:font script="Tfng" typeface="Ebrima"/>
       </a:majorFont>
       <a:minorFont>
-        <a:latin typeface="Calibri" panose="020F0502020204030204"/>
+        <a:latin typeface="Calibri"/>
         <a:ea typeface=""/>
         <a:cs typeface=""/>
         <a:font script="Jpan" typeface="游ゴシック"/>
@@ -5621,23 +5026,6 @@
         <a:font script="Viet" typeface="Arial"/>
         <a:font script="Uigh" typeface="Microsoft Uighur"/>
         <a:font script="Geor" typeface="Sylfaen"/>
-        <a:font script="Armn" typeface="Arial"/>
-        <a:font script="Bugi" typeface="Leelawadee UI"/>
-        <a:font script="Bopo" typeface="Microsoft JhengHei"/>
-        <a:font script="Java" typeface="Javanese Text"/>
-        <a:font script="Lisu" typeface="Segoe UI"/>
-        <a:font script="Mymr" typeface="Myanmar Text"/>
-        <a:font script="Nkoo" typeface="Ebrima"/>
-        <a:font script="Olck" typeface="Nirmala UI"/>
-        <a:font script="Osma" typeface="Ebrima"/>
-        <a:font script="Phag" typeface="Phagspa"/>
-        <a:font script="Syrn" typeface="Estrangelo Edessa"/>
-        <a:font script="Syrj" typeface="Estrangelo Edessa"/>
-        <a:font script="Syre" typeface="Estrangelo Edessa"/>
-        <a:font script="Sora" typeface="Nirmala UI"/>
-        <a:font script="Tale" typeface="Microsoft Tai Le"/>
-        <a:font script="Talu" typeface="Microsoft New Tai Lue"/>
-        <a:font script="Tfng" typeface="Ebrima"/>
       </a:minorFont>
     </a:fontScheme>
     <a:fmtScheme name="Office">
@@ -5778,8 +5166,6 @@
       </a:bgFillStyleLst>
     </a:fmtScheme>
   </a:themeElements>
-  <a:objectDefaults/>
-  <a:extraClrSchemeLst/>
   <a:extLst>
     <a:ext uri="{05A4C25C-085E-4340-85A3-A5531E510DB2}">
       <thm15:themeFamily xmlns:thm15="http://schemas.microsoft.com/office/thememl/2012/main" name="Office Theme" id="{62F939B6-93AF-4DB8-9C6B-D6C7DFDC589F}" vid="{4A3C46E8-61CC-4603-A589-7422A47A8E4A}"/>
@@ -5831,7 +5217,7 @@
     </a:clrScheme>
     <a:fontScheme name="Office">
       <a:majorFont>
-        <a:latin typeface="Calibri Light" panose="020F0302020204030204"/>
+        <a:latin typeface="Calibri Light"/>
         <a:ea typeface=""/>
         <a:cs typeface=""/>
         <a:font script="Jpan" typeface="游ゴシック Light"/>
@@ -5864,26 +5250,9 @@
         <a:font script="Viet" typeface="Times New Roman"/>
         <a:font script="Uigh" typeface="Microsoft Uighur"/>
         <a:font script="Geor" typeface="Sylfaen"/>
-        <a:font script="Armn" typeface="Arial"/>
-        <a:font script="Bugi" typeface="Leelawadee UI"/>
-        <a:font script="Bopo" typeface="Microsoft JhengHei"/>
-        <a:font script="Java" typeface="Javanese Text"/>
-        <a:font script="Lisu" typeface="Segoe UI"/>
-        <a:font script="Mymr" typeface="Myanmar Text"/>
-        <a:font script="Nkoo" typeface="Ebrima"/>
-        <a:font script="Olck" typeface="Nirmala UI"/>
-        <a:font script="Osma" typeface="Ebrima"/>
-        <a:font script="Phag" typeface="Phagspa"/>
-        <a:font script="Syrn" typeface="Estrangelo Edessa"/>
-        <a:font script="Syrj" typeface="Estrangelo Edessa"/>
-        <a:font script="Syre" typeface="Estrangelo Edessa"/>
-        <a:font script="Sora" typeface="Nirmala UI"/>
-        <a:font script="Tale" typeface="Microsoft Tai Le"/>
-        <a:font script="Talu" typeface="Microsoft New Tai Lue"/>
-        <a:font script="Tfng" typeface="Ebrima"/>
       </a:majorFont>
       <a:minorFont>
-        <a:latin typeface="Calibri" panose="020F0502020204030204"/>
+        <a:latin typeface="Calibri"/>
         <a:ea typeface=""/>
         <a:cs typeface=""/>
         <a:font script="Jpan" typeface="游ゴシック"/>
@@ -5916,23 +5285,6 @@
         <a:font script="Viet" typeface="Arial"/>
         <a:font script="Uigh" typeface="Microsoft Uighur"/>
         <a:font script="Geor" typeface="Sylfaen"/>
-        <a:font script="Armn" typeface="Arial"/>
-        <a:font script="Bugi" typeface="Leelawadee UI"/>
-        <a:font script="Bopo" typeface="Microsoft JhengHei"/>
-        <a:font script="Java" typeface="Javanese Text"/>
-        <a:font script="Lisu" typeface="Segoe UI"/>
-        <a:font script="Mymr" typeface="Myanmar Text"/>
-        <a:font script="Nkoo" typeface="Ebrima"/>
-        <a:font script="Olck" typeface="Nirmala UI"/>
-        <a:font script="Osma" typeface="Ebrima"/>
-        <a:font script="Phag" typeface="Phagspa"/>
-        <a:font script="Syrn" typeface="Estrangelo Edessa"/>
-        <a:font script="Syrj" typeface="Estrangelo Edessa"/>
-        <a:font script="Syre" typeface="Estrangelo Edessa"/>
-        <a:font script="Sora" typeface="Nirmala UI"/>
-        <a:font script="Tale" typeface="Microsoft Tai Le"/>
-        <a:font script="Talu" typeface="Microsoft New Tai Lue"/>
-        <a:font script="Tfng" typeface="Ebrima"/>
       </a:minorFont>
     </a:fontScheme>
     <a:fmtScheme name="Office">
@@ -6073,8 +5425,6 @@
       </a:bgFillStyleLst>
     </a:fmtScheme>
   </a:themeElements>
-  <a:objectDefaults/>
-  <a:extraClrSchemeLst/>
   <a:extLst>
     <a:ext uri="{05A4C25C-085E-4340-85A3-A5531E510DB2}">
       <thm15:themeFamily xmlns:thm15="http://schemas.microsoft.com/office/thememl/2012/main" name="Office Theme" id="{62F939B6-93AF-4DB8-9C6B-D6C7DFDC589F}" vid="{4A3C46E8-61CC-4603-A589-7422A47A8E4A}"/>
